--- a/presentations/Automation.pptx
+++ b/presentations/Automation.pptx
@@ -11,7 +11,7 @@
   </p:notesMasterIdLst>
   <p:sldIdLst>
     <p:sldId id="282" r:id="rId4"/>
-    <p:sldId id="284" r:id="rId5"/>
+    <p:sldId id="286" r:id="rId5"/>
     <p:sldId id="283" r:id="rId6"/>
     <p:sldId id="257" r:id="rId7"/>
     <p:sldId id="258" r:id="rId8"/>
@@ -37,19 +37,19 @@
   <p:notesSz cx="7010400" cy="9296400"/>
   <p:embeddedFontLst>
     <p:embeddedFont>
-      <p:font typeface="Intel Clear" panose="020B0604020203020204" pitchFamily="34" charset="0"/>
-      <p:regular r:id="rId27"/>
-      <p:bold r:id="rId28"/>
-      <p:italic r:id="rId29"/>
-      <p:boldItalic r:id="rId30"/>
+      <p:font typeface="Intel Clear Pro" panose="020B0804020202060201" pitchFamily="34" charset="0"/>
+      <p:bold r:id="rId27"/>
     </p:embeddedFont>
     <p:embeddedFont>
       <p:font typeface="Roboto" panose="02000000000000000000" pitchFamily="2" charset="0"/>
-      <p:regular r:id="rId31"/>
+      <p:regular r:id="rId28"/>
     </p:embeddedFont>
     <p:embeddedFont>
-      <p:font typeface="Intel Clear Pro" panose="020B0804020202060201" pitchFamily="34" charset="0"/>
-      <p:bold r:id="rId32"/>
+      <p:font typeface="Calibri" panose="020F0502020204030204" pitchFamily="34" charset="0"/>
+      <p:regular r:id="rId29"/>
+      <p:bold r:id="rId30"/>
+      <p:italic r:id="rId31"/>
+      <p:boldItalic r:id="rId32"/>
     </p:embeddedFont>
     <p:embeddedFont>
       <p:font typeface="Intel Clear Light" panose="020B0404020203020204" pitchFamily="34" charset="0"/>
@@ -57,7 +57,7 @@
       <p:italic r:id="rId34"/>
     </p:embeddedFont>
     <p:embeddedFont>
-      <p:font typeface="Calibri" panose="020F0502020204030204" pitchFamily="34" charset="0"/>
+      <p:font typeface="Intel Clear" panose="020B0604020203020204" pitchFamily="34" charset="0"/>
       <p:regular r:id="rId35"/>
       <p:bold r:id="rId36"/>
       <p:italic r:id="rId37"/>
@@ -736,6 +736,321 @@
   <p:cSld>
     <p:spTree>
       <p:nvGrpSpPr>
+        <p:cNvPr id="1" name="Shape 363"/>
+        <p:cNvGrpSpPr/>
+        <p:nvPr/>
+      </p:nvGrpSpPr>
+      <p:grpSpPr>
+        <a:xfrm>
+          <a:off x="0" y="0"/>
+          <a:ext cx="0" cy="0"/>
+          <a:chOff x="0" y="0"/>
+          <a:chExt cx="0" cy="0"/>
+        </a:xfrm>
+      </p:grpSpPr>
+      <p:sp>
+        <p:nvSpPr>
+          <p:cNvPr id="364" name="Shape 364"/>
+          <p:cNvSpPr>
+            <a:spLocks noGrp="1" noRot="1" noChangeAspect="1"/>
+          </p:cNvSpPr>
+          <p:nvPr>
+            <p:ph type="sldImg" idx="2"/>
+          </p:nvPr>
+        </p:nvSpPr>
+        <p:spPr>
+          <a:xfrm>
+            <a:off x="406400" y="696913"/>
+            <a:ext cx="6197600" cy="3486150"/>
+          </a:xfrm>
+          <a:custGeom>
+            <a:avLst/>
+            <a:gdLst/>
+            <a:ahLst/>
+            <a:cxnLst/>
+            <a:rect l="0" t="0" r="0" b="0"/>
+            <a:pathLst>
+              <a:path w="120000" h="120000" extrusionOk="0">
+                <a:moveTo>
+                  <a:pt x="0" y="0"/>
+                </a:moveTo>
+                <a:lnTo>
+                  <a:pt x="120000" y="0"/>
+                </a:lnTo>
+                <a:lnTo>
+                  <a:pt x="120000" y="120000"/>
+                </a:lnTo>
+                <a:lnTo>
+                  <a:pt x="0" y="120000"/>
+                </a:lnTo>
+                <a:close/>
+              </a:path>
+            </a:pathLst>
+          </a:custGeom>
+        </p:spPr>
+      </p:sp>
+      <p:sp>
+        <p:nvSpPr>
+          <p:cNvPr id="365" name="Shape 365"/>
+          <p:cNvSpPr txBox="1">
+            <a:spLocks noGrp="1"/>
+          </p:cNvSpPr>
+          <p:nvPr>
+            <p:ph type="body" idx="1"/>
+          </p:nvPr>
+        </p:nvSpPr>
+        <p:spPr>
+          <a:xfrm>
+            <a:off x="701040" y="4415790"/>
+            <a:ext cx="5608320" cy="4183380"/>
+          </a:xfrm>
+          <a:prstGeom prst="rect">
+            <a:avLst/>
+          </a:prstGeom>
+        </p:spPr>
+        <p:txBody>
+          <a:bodyPr wrap="square" lIns="93162" tIns="93162" rIns="93162" bIns="93162" anchor="t" anchorCtr="0">
+            <a:noAutofit/>
+          </a:bodyPr>
+          <a:lstStyle/>
+          <a:p>
+            <a:pPr marL="698830" indent="-300885">
+              <a:lnSpc>
+                <a:spcPct val="115000"/>
+              </a:lnSpc>
+              <a:spcBef>
+                <a:spcPts val="306"/>
+              </a:spcBef>
+              <a:spcAft>
+                <a:spcPts val="102"/>
+              </a:spcAft>
+              <a:buClr>
+                <a:srgbClr val="252525"/>
+              </a:buClr>
+              <a:buSzPct val="95454"/>
+              <a:buFont typeface="Arial"/>
+              <a:buChar char="●"/>
+            </a:pPr>
+            <a:r>
+              <a:rPr lang="en">
+                <a:solidFill>
+                  <a:srgbClr val="252525"/>
+                </a:solidFill>
+                <a:highlight>
+                  <a:srgbClr val="FFFFFF"/>
+                </a:highlight>
+              </a:rPr>
+              <a:t>Level 0 contains the field devices such as flow and temperature sensors, and final control elements, such as </a:t>
+            </a:r>
+            <a:r>
+              <a:rPr lang="en">
+                <a:solidFill>
+                  <a:srgbClr val="0B0080"/>
+                </a:solidFill>
+                <a:highlight>
+                  <a:srgbClr val="FFFFFF"/>
+                </a:highlight>
+                <a:hlinkClick r:id="rId3"/>
+              </a:rPr>
+              <a:t>control valves</a:t>
+            </a:r>
+          </a:p>
+          <a:p>
+            <a:pPr marL="698830" indent="-300885">
+              <a:lnSpc>
+                <a:spcPct val="115000"/>
+              </a:lnSpc>
+              <a:spcBef>
+                <a:spcPts val="306"/>
+              </a:spcBef>
+              <a:spcAft>
+                <a:spcPts val="102"/>
+              </a:spcAft>
+              <a:buClr>
+                <a:srgbClr val="252525"/>
+              </a:buClr>
+              <a:buSzPct val="95454"/>
+              <a:buFont typeface="Arial"/>
+              <a:buChar char="●"/>
+            </a:pPr>
+            <a:r>
+              <a:rPr lang="en">
+                <a:solidFill>
+                  <a:srgbClr val="252525"/>
+                </a:solidFill>
+                <a:highlight>
+                  <a:srgbClr val="FFFFFF"/>
+                </a:highlight>
+              </a:rPr>
+              <a:t>Level 1 contains the industrialised Input/Output (I/O) modules, and their associated distributed electronic processors.</a:t>
+            </a:r>
+          </a:p>
+          <a:p>
+            <a:pPr marL="698830" indent="-300885">
+              <a:lnSpc>
+                <a:spcPct val="115000"/>
+              </a:lnSpc>
+              <a:spcBef>
+                <a:spcPts val="306"/>
+              </a:spcBef>
+              <a:spcAft>
+                <a:spcPts val="102"/>
+              </a:spcAft>
+              <a:buClr>
+                <a:srgbClr val="252525"/>
+              </a:buClr>
+              <a:buSzPct val="95454"/>
+              <a:buFont typeface="Arial"/>
+              <a:buChar char="●"/>
+            </a:pPr>
+            <a:r>
+              <a:rPr lang="en">
+                <a:solidFill>
+                  <a:srgbClr val="252525"/>
+                </a:solidFill>
+                <a:highlight>
+                  <a:srgbClr val="FFFFFF"/>
+                </a:highlight>
+              </a:rPr>
+              <a:t>Level 2 contains the supervisory computers, which collate information from processor nodes on the system, and provide the operator control screens.</a:t>
+            </a:r>
+          </a:p>
+          <a:p>
+            <a:pPr marL="698830" indent="-300885">
+              <a:lnSpc>
+                <a:spcPct val="115000"/>
+              </a:lnSpc>
+              <a:spcBef>
+                <a:spcPts val="306"/>
+              </a:spcBef>
+              <a:spcAft>
+                <a:spcPts val="102"/>
+              </a:spcAft>
+              <a:buClr>
+                <a:srgbClr val="252525"/>
+              </a:buClr>
+              <a:buSzPct val="95454"/>
+              <a:buFont typeface="Arial"/>
+              <a:buChar char="●"/>
+            </a:pPr>
+            <a:r>
+              <a:rPr lang="en">
+                <a:solidFill>
+                  <a:srgbClr val="252525"/>
+                </a:solidFill>
+                <a:highlight>
+                  <a:srgbClr val="FFFFFF"/>
+                </a:highlight>
+              </a:rPr>
+              <a:t>Level 3 is the production control level, which does not directly control the process, but is concerned with monitoring production and monitoring targets</a:t>
+            </a:r>
+          </a:p>
+          <a:p>
+            <a:pPr marL="698830" indent="-300885">
+              <a:lnSpc>
+                <a:spcPct val="115000"/>
+              </a:lnSpc>
+              <a:spcBef>
+                <a:spcPts val="306"/>
+              </a:spcBef>
+              <a:spcAft>
+                <a:spcPts val="102"/>
+              </a:spcAft>
+              <a:buClr>
+                <a:srgbClr val="252525"/>
+              </a:buClr>
+              <a:buSzPct val="95454"/>
+              <a:buFont typeface="Arial"/>
+              <a:buChar char="●"/>
+            </a:pPr>
+            <a:r>
+              <a:rPr lang="en">
+                <a:solidFill>
+                  <a:srgbClr val="252525"/>
+                </a:solidFill>
+                <a:highlight>
+                  <a:srgbClr val="FFFFFF"/>
+                </a:highlight>
+              </a:rPr>
+              <a:t>Level 4 is the production scheduling level.</a:t>
+            </a:r>
+          </a:p>
+          <a:p>
+            <a:pPr>
+              <a:lnSpc>
+                <a:spcPct val="115000"/>
+              </a:lnSpc>
+              <a:spcBef>
+                <a:spcPts val="611"/>
+              </a:spcBef>
+              <a:spcAft>
+                <a:spcPts val="611"/>
+              </a:spcAft>
+              <a:buNone/>
+            </a:pPr>
+            <a:r>
+              <a:rPr lang="en">
+                <a:solidFill>
+                  <a:srgbClr val="252525"/>
+                </a:solidFill>
+                <a:highlight>
+                  <a:srgbClr val="FFFFFF"/>
+                </a:highlight>
+              </a:rPr>
+              <a:t>Levels 1 and 2 are the functional levels of a traditional DCS, in which all equipment are part of an integrated system from a single manufacturer.</a:t>
+            </a:r>
+          </a:p>
+          <a:p>
+            <a:pPr>
+              <a:lnSpc>
+                <a:spcPct val="115000"/>
+              </a:lnSpc>
+              <a:spcBef>
+                <a:spcPts val="611"/>
+              </a:spcBef>
+              <a:spcAft>
+                <a:spcPts val="611"/>
+              </a:spcAft>
+              <a:buNone/>
+            </a:pPr>
+            <a:r>
+              <a:rPr lang="en">
+                <a:solidFill>
+                  <a:srgbClr val="252525"/>
+                </a:solidFill>
+                <a:highlight>
+                  <a:srgbClr val="FFFFFF"/>
+                </a:highlight>
+              </a:rPr>
+              <a:t>Levels 3 and 4 are not strictly process control in the traditional sense, but where production control and scheduling takes place.</a:t>
+            </a:r>
+          </a:p>
+          <a:p>
+            <a:pPr>
+              <a:buNone/>
+            </a:pPr>
+            <a:endParaRPr/>
+          </a:p>
+        </p:txBody>
+      </p:sp>
+    </p:spTree>
+    <p:extLst>
+      <p:ext uri="{BB962C8B-B14F-4D97-AF65-F5344CB8AC3E}">
+        <p14:creationId xmlns:p14="http://schemas.microsoft.com/office/powerpoint/2010/main" val="3998913024"/>
+      </p:ext>
+    </p:extLst>
+  </p:cSld>
+  <p:clrMapOvr>
+    <a:masterClrMapping/>
+  </p:clrMapOvr>
+</p:notes>
+</file>
+
+<file path=ppt/notesSlides/notesSlide11.xml><?xml version="1.0" encoding="utf-8"?>
+<p:notes xmlns:a="http://schemas.openxmlformats.org/drawingml/2006/main" xmlns:r="http://schemas.openxmlformats.org/officeDocument/2006/relationships" xmlns:p="http://schemas.openxmlformats.org/presentationml/2006/main" showMasterSp="0" showMasterPhAnim="0">
+  <p:cSld>
+    <p:spTree>
+      <p:nvGrpSpPr>
         <p:cNvPr id="1" name="Shape 370"/>
         <p:cNvGrpSpPr/>
         <p:nvPr/>
@@ -834,7 +1149,7 @@
 </p:notes>
 </file>
 
-<file path=ppt/notesSlides/notesSlide11.xml><?xml version="1.0" encoding="utf-8"?>
+<file path=ppt/notesSlides/notesSlide12.xml><?xml version="1.0" encoding="utf-8"?>
 <p:notes xmlns:a="http://schemas.openxmlformats.org/drawingml/2006/main" xmlns:r="http://schemas.openxmlformats.org/officeDocument/2006/relationships" xmlns:p="http://schemas.openxmlformats.org/presentationml/2006/main" showMasterSp="0" showMasterPhAnim="0">
   <p:cSld>
     <p:spTree>
@@ -937,7 +1252,7 @@
 </p:notes>
 </file>
 
-<file path=ppt/notesSlides/notesSlide12.xml><?xml version="1.0" encoding="utf-8"?>
+<file path=ppt/notesSlides/notesSlide13.xml><?xml version="1.0" encoding="utf-8"?>
 <p:notes xmlns:a="http://schemas.openxmlformats.org/drawingml/2006/main" xmlns:r="http://schemas.openxmlformats.org/officeDocument/2006/relationships" xmlns:p="http://schemas.openxmlformats.org/presentationml/2006/main" showMasterSp="0" showMasterPhAnim="0">
   <p:cSld>
     <p:spTree>
@@ -1249,7 +1564,7 @@
 </p:notes>
 </file>
 
-<file path=ppt/notesSlides/notesSlide13.xml><?xml version="1.0" encoding="utf-8"?>
+<file path=ppt/notesSlides/notesSlide14.xml><?xml version="1.0" encoding="utf-8"?>
 <p:notes xmlns:a="http://schemas.openxmlformats.org/drawingml/2006/main" xmlns:r="http://schemas.openxmlformats.org/officeDocument/2006/relationships" xmlns:p="http://schemas.openxmlformats.org/presentationml/2006/main" showMasterSp="0" showMasterPhAnim="0">
   <p:cSld>
     <p:spTree>
@@ -1370,7 +1685,7 @@
 </p:notes>
 </file>
 
-<file path=ppt/notesSlides/notesSlide14.xml><?xml version="1.0" encoding="utf-8"?>
+<file path=ppt/notesSlides/notesSlide15.xml><?xml version="1.0" encoding="utf-8"?>
 <p:notes xmlns:a="http://schemas.openxmlformats.org/drawingml/2006/main" xmlns:r="http://schemas.openxmlformats.org/officeDocument/2006/relationships" xmlns:p="http://schemas.openxmlformats.org/presentationml/2006/main" showMasterSp="0" showMasterPhAnim="0">
   <p:cSld>
     <p:spTree>
@@ -1491,7 +1806,7 @@
 </p:notes>
 </file>
 
-<file path=ppt/notesSlides/notesSlide15.xml><?xml version="1.0" encoding="utf-8"?>
+<file path=ppt/notesSlides/notesSlide16.xml><?xml version="1.0" encoding="utf-8"?>
 <p:notes xmlns:a="http://schemas.openxmlformats.org/drawingml/2006/main" xmlns:r="http://schemas.openxmlformats.org/officeDocument/2006/relationships" xmlns:p="http://schemas.openxmlformats.org/presentationml/2006/main" showMasterSp="0" showMasterPhAnim="0">
   <p:cSld>
     <p:spTree>
@@ -1612,7 +1927,7 @@
 </p:notes>
 </file>
 
-<file path=ppt/notesSlides/notesSlide16.xml><?xml version="1.0" encoding="utf-8"?>
+<file path=ppt/notesSlides/notesSlide17.xml><?xml version="1.0" encoding="utf-8"?>
 <p:notes xmlns:a="http://schemas.openxmlformats.org/drawingml/2006/main" xmlns:r="http://schemas.openxmlformats.org/officeDocument/2006/relationships" xmlns:p="http://schemas.openxmlformats.org/presentationml/2006/main" showMasterSp="0" showMasterPhAnim="0">
   <p:cSld>
     <p:spTree>
@@ -1787,7 +2102,7 @@
 </p:notes>
 </file>
 
-<file path=ppt/notesSlides/notesSlide17.xml><?xml version="1.0" encoding="utf-8"?>
+<file path=ppt/notesSlides/notesSlide18.xml><?xml version="1.0" encoding="utf-8"?>
 <p:notes xmlns:a="http://schemas.openxmlformats.org/drawingml/2006/main" xmlns:r="http://schemas.openxmlformats.org/officeDocument/2006/relationships" xmlns:p="http://schemas.openxmlformats.org/presentationml/2006/main" showMasterSp="0" showMasterPhAnim="0">
   <p:cSld>
     <p:spTree>
@@ -1908,7 +2223,7 @@
 </p:notes>
 </file>
 
-<file path=ppt/notesSlides/notesSlide18.xml><?xml version="1.0" encoding="utf-8"?>
+<file path=ppt/notesSlides/notesSlide19.xml><?xml version="1.0" encoding="utf-8"?>
 <p:notes xmlns:a="http://schemas.openxmlformats.org/drawingml/2006/main" xmlns:r="http://schemas.openxmlformats.org/officeDocument/2006/relationships" xmlns:p="http://schemas.openxmlformats.org/presentationml/2006/main" showMasterSp="0" showMasterPhAnim="0">
   <p:cSld>
     <p:spTree>
@@ -2029,7 +2344,115 @@
 </p:notes>
 </file>
 
-<file path=ppt/notesSlides/notesSlide19.xml><?xml version="1.0" encoding="utf-8"?>
+<file path=ppt/notesSlides/notesSlide2.xml><?xml version="1.0" encoding="utf-8"?>
+<p:notes xmlns:a="http://schemas.openxmlformats.org/drawingml/2006/main" xmlns:r="http://schemas.openxmlformats.org/officeDocument/2006/relationships" xmlns:p="http://schemas.openxmlformats.org/presentationml/2006/main">
+  <p:cSld>
+    <p:spTree>
+      <p:nvGrpSpPr>
+        <p:cNvPr id="1" name=""/>
+        <p:cNvGrpSpPr/>
+        <p:nvPr/>
+      </p:nvGrpSpPr>
+      <p:grpSpPr>
+        <a:xfrm>
+          <a:off x="0" y="0"/>
+          <a:ext cx="0" cy="0"/>
+          <a:chOff x="0" y="0"/>
+          <a:chExt cx="0" cy="0"/>
+        </a:xfrm>
+      </p:grpSpPr>
+      <p:sp>
+        <p:nvSpPr>
+          <p:cNvPr id="2" name="Slide Image Placeholder 1"/>
+          <p:cNvSpPr>
+            <a:spLocks noGrp="1" noRot="1" noChangeAspect="1"/>
+          </p:cNvSpPr>
+          <p:nvPr>
+            <p:ph type="sldImg"/>
+          </p:nvPr>
+        </p:nvSpPr>
+        <p:spPr/>
+      </p:sp>
+      <p:sp>
+        <p:nvSpPr>
+          <p:cNvPr id="3" name="Notes Placeholder 2"/>
+          <p:cNvSpPr>
+            <a:spLocks noGrp="1"/>
+          </p:cNvSpPr>
+          <p:nvPr>
+            <p:ph type="body" idx="1"/>
+          </p:nvPr>
+        </p:nvSpPr>
+        <p:spPr/>
+        <p:txBody>
+          <a:bodyPr/>
+          <a:lstStyle/>
+          <a:p>
+            <a:endParaRPr lang="en-US" dirty="0"/>
+          </a:p>
+        </p:txBody>
+      </p:sp>
+      <p:sp>
+        <p:nvSpPr>
+          <p:cNvPr id="4" name="Slide Number Placeholder 3"/>
+          <p:cNvSpPr>
+            <a:spLocks noGrp="1"/>
+          </p:cNvSpPr>
+          <p:nvPr>
+            <p:ph type="sldNum" sz="quarter" idx="10"/>
+          </p:nvPr>
+        </p:nvSpPr>
+        <p:spPr>
+          <a:xfrm>
+            <a:off x="3905295" y="8719895"/>
+            <a:ext cx="2987622" cy="460619"/>
+          </a:xfrm>
+          <a:prstGeom prst="rect">
+            <a:avLst/>
+          </a:prstGeom>
+        </p:spPr>
+        <p:txBody>
+          <a:bodyPr/>
+          <a:lstStyle/>
+          <a:p>
+            <a:pPr defTabSz="918515">
+              <a:defRPr/>
+            </a:pPr>
+            <a:fld id="{B1683E88-F191-4F69-A29D-62A3EA806C18}" type="slidenum">
+              <a:rPr lang="en-US" sz="900">
+                <a:solidFill>
+                  <a:prstClr val="black"/>
+                </a:solidFill>
+                <a:latin typeface="Arial"/>
+              </a:rPr>
+              <a:pPr defTabSz="918515">
+                <a:defRPr/>
+              </a:pPr>
+              <a:t>2</a:t>
+            </a:fld>
+            <a:endParaRPr lang="en-US" sz="900" dirty="0">
+              <a:solidFill>
+                <a:prstClr val="black"/>
+              </a:solidFill>
+              <a:latin typeface="Arial"/>
+            </a:endParaRPr>
+          </a:p>
+        </p:txBody>
+      </p:sp>
+    </p:spTree>
+    <p:extLst>
+      <p:ext uri="{BB962C8B-B14F-4D97-AF65-F5344CB8AC3E}">
+        <p14:creationId xmlns:p14="http://schemas.microsoft.com/office/powerpoint/2010/main" val="3203894318"/>
+      </p:ext>
+    </p:extLst>
+  </p:cSld>
+  <p:clrMapOvr>
+    <a:masterClrMapping/>
+  </p:clrMapOvr>
+</p:notes>
+</file>
+
+<file path=ppt/notesSlides/notesSlide20.xml><?xml version="1.0" encoding="utf-8"?>
 <p:notes xmlns:a="http://schemas.openxmlformats.org/drawingml/2006/main" xmlns:r="http://schemas.openxmlformats.org/officeDocument/2006/relationships" xmlns:p="http://schemas.openxmlformats.org/presentationml/2006/main" showMasterSp="0" showMasterPhAnim="0">
   <p:cSld>
     <p:spTree>
@@ -2150,68 +2573,7 @@
 </p:notes>
 </file>
 
-<file path=ppt/notesSlides/notesSlide2.xml><?xml version="1.0" encoding="utf-8"?>
-<p:notes xmlns:a="http://schemas.openxmlformats.org/drawingml/2006/main" xmlns:r="http://schemas.openxmlformats.org/officeDocument/2006/relationships" xmlns:p="http://schemas.openxmlformats.org/presentationml/2006/main">
-  <p:cSld>
-    <p:spTree>
-      <p:nvGrpSpPr>
-        <p:cNvPr id="1" name=""/>
-        <p:cNvGrpSpPr/>
-        <p:nvPr/>
-      </p:nvGrpSpPr>
-      <p:grpSpPr>
-        <a:xfrm>
-          <a:off x="0" y="0"/>
-          <a:ext cx="0" cy="0"/>
-          <a:chOff x="0" y="0"/>
-          <a:chExt cx="0" cy="0"/>
-        </a:xfrm>
-      </p:grpSpPr>
-      <p:sp>
-        <p:nvSpPr>
-          <p:cNvPr id="2" name="Slide Image Placeholder 1"/>
-          <p:cNvSpPr>
-            <a:spLocks noGrp="1" noRot="1" noChangeAspect="1"/>
-          </p:cNvSpPr>
-          <p:nvPr>
-            <p:ph type="sldImg"/>
-          </p:nvPr>
-        </p:nvSpPr>
-        <p:spPr/>
-      </p:sp>
-      <p:sp>
-        <p:nvSpPr>
-          <p:cNvPr id="3" name="Notes Placeholder 2"/>
-          <p:cNvSpPr>
-            <a:spLocks noGrp="1"/>
-          </p:cNvSpPr>
-          <p:nvPr>
-            <p:ph type="body" idx="1"/>
-          </p:nvPr>
-        </p:nvSpPr>
-        <p:spPr/>
-        <p:txBody>
-          <a:bodyPr/>
-          <a:lstStyle/>
-          <a:p>
-            <a:endParaRPr lang="en-US"/>
-          </a:p>
-        </p:txBody>
-      </p:sp>
-    </p:spTree>
-    <p:extLst>
-      <p:ext uri="{BB962C8B-B14F-4D97-AF65-F5344CB8AC3E}">
-        <p14:creationId xmlns:p14="http://schemas.microsoft.com/office/powerpoint/2010/main" val="492352457"/>
-      </p:ext>
-    </p:extLst>
-  </p:cSld>
-  <p:clrMapOvr>
-    <a:masterClrMapping/>
-  </p:clrMapOvr>
-</p:notes>
-</file>
-
-<file path=ppt/notesSlides/notesSlide20.xml><?xml version="1.0" encoding="utf-8"?>
+<file path=ppt/notesSlides/notesSlide21.xml><?xml version="1.0" encoding="utf-8"?>
 <p:notes xmlns:a="http://schemas.openxmlformats.org/drawingml/2006/main" xmlns:r="http://schemas.openxmlformats.org/officeDocument/2006/relationships" xmlns:p="http://schemas.openxmlformats.org/presentationml/2006/main" showMasterSp="0" showMasterPhAnim="0">
   <p:cSld>
     <p:spTree>
@@ -2332,7 +2694,7 @@
 </p:notes>
 </file>
 
-<file path=ppt/notesSlides/notesSlide21.xml><?xml version="1.0" encoding="utf-8"?>
+<file path=ppt/notesSlides/notesSlide22.xml><?xml version="1.0" encoding="utf-8"?>
 <p:notes xmlns:a="http://schemas.openxmlformats.org/drawingml/2006/main" xmlns:r="http://schemas.openxmlformats.org/officeDocument/2006/relationships" xmlns:p="http://schemas.openxmlformats.org/presentationml/2006/main" showMasterSp="0" showMasterPhAnim="0">
   <p:cSld>
     <p:spTree>
@@ -2436,6 +2798,67 @@
 </file>
 
 <file path=ppt/notesSlides/notesSlide3.xml><?xml version="1.0" encoding="utf-8"?>
+<p:notes xmlns:a="http://schemas.openxmlformats.org/drawingml/2006/main" xmlns:r="http://schemas.openxmlformats.org/officeDocument/2006/relationships" xmlns:p="http://schemas.openxmlformats.org/presentationml/2006/main">
+  <p:cSld>
+    <p:spTree>
+      <p:nvGrpSpPr>
+        <p:cNvPr id="1" name=""/>
+        <p:cNvGrpSpPr/>
+        <p:nvPr/>
+      </p:nvGrpSpPr>
+      <p:grpSpPr>
+        <a:xfrm>
+          <a:off x="0" y="0"/>
+          <a:ext cx="0" cy="0"/>
+          <a:chOff x="0" y="0"/>
+          <a:chExt cx="0" cy="0"/>
+        </a:xfrm>
+      </p:grpSpPr>
+      <p:sp>
+        <p:nvSpPr>
+          <p:cNvPr id="2" name="Slide Image Placeholder 1"/>
+          <p:cNvSpPr>
+            <a:spLocks noGrp="1" noRot="1" noChangeAspect="1"/>
+          </p:cNvSpPr>
+          <p:nvPr>
+            <p:ph type="sldImg"/>
+          </p:nvPr>
+        </p:nvSpPr>
+        <p:spPr/>
+      </p:sp>
+      <p:sp>
+        <p:nvSpPr>
+          <p:cNvPr id="3" name="Notes Placeholder 2"/>
+          <p:cNvSpPr>
+            <a:spLocks noGrp="1"/>
+          </p:cNvSpPr>
+          <p:nvPr>
+            <p:ph type="body" idx="1"/>
+          </p:nvPr>
+        </p:nvSpPr>
+        <p:spPr/>
+        <p:txBody>
+          <a:bodyPr/>
+          <a:lstStyle/>
+          <a:p>
+            <a:endParaRPr lang="en-US"/>
+          </a:p>
+        </p:txBody>
+      </p:sp>
+    </p:spTree>
+    <p:extLst>
+      <p:ext uri="{BB962C8B-B14F-4D97-AF65-F5344CB8AC3E}">
+        <p14:creationId xmlns:p14="http://schemas.microsoft.com/office/powerpoint/2010/main" val="492352457"/>
+      </p:ext>
+    </p:extLst>
+  </p:cSld>
+  <p:clrMapOvr>
+    <a:masterClrMapping/>
+  </p:clrMapOvr>
+</p:notes>
+</file>
+
+<file path=ppt/notesSlides/notesSlide4.xml><?xml version="1.0" encoding="utf-8"?>
 <p:notes xmlns:a="http://schemas.openxmlformats.org/drawingml/2006/main" xmlns:r="http://schemas.openxmlformats.org/officeDocument/2006/relationships" xmlns:p="http://schemas.openxmlformats.org/presentationml/2006/main" showMasterSp="0" showMasterPhAnim="0">
   <p:cSld>
     <p:spTree>
@@ -2556,7 +2979,7 @@
 </p:notes>
 </file>
 
-<file path=ppt/notesSlides/notesSlide4.xml><?xml version="1.0" encoding="utf-8"?>
+<file path=ppt/notesSlides/notesSlide5.xml><?xml version="1.0" encoding="utf-8"?>
 <p:notes xmlns:a="http://schemas.openxmlformats.org/drawingml/2006/main" xmlns:r="http://schemas.openxmlformats.org/officeDocument/2006/relationships" xmlns:p="http://schemas.openxmlformats.org/presentationml/2006/main" showMasterSp="0" showMasterPhAnim="0">
   <p:cSld>
     <p:spTree>
@@ -2868,7 +3291,7 @@
 </p:notes>
 </file>
 
-<file path=ppt/notesSlides/notesSlide5.xml><?xml version="1.0" encoding="utf-8"?>
+<file path=ppt/notesSlides/notesSlide6.xml><?xml version="1.0" encoding="utf-8"?>
 <p:notes xmlns:a="http://schemas.openxmlformats.org/drawingml/2006/main" xmlns:r="http://schemas.openxmlformats.org/officeDocument/2006/relationships" xmlns:p="http://schemas.openxmlformats.org/presentationml/2006/main" showMasterSp="0" showMasterPhAnim="0">
   <p:cSld>
     <p:spTree>
@@ -2989,7 +3412,7 @@
 </p:notes>
 </file>
 
-<file path=ppt/notesSlides/notesSlide6.xml><?xml version="1.0" encoding="utf-8"?>
+<file path=ppt/notesSlides/notesSlide7.xml><?xml version="1.0" encoding="utf-8"?>
 <p:notes xmlns:a="http://schemas.openxmlformats.org/drawingml/2006/main" xmlns:r="http://schemas.openxmlformats.org/officeDocument/2006/relationships" xmlns:p="http://schemas.openxmlformats.org/presentationml/2006/main" showMasterSp="0" showMasterPhAnim="0">
   <p:cSld>
     <p:spTree>
@@ -3092,7 +3515,7 @@
 </p:notes>
 </file>
 
-<file path=ppt/notesSlides/notesSlide7.xml><?xml version="1.0" encoding="utf-8"?>
+<file path=ppt/notesSlides/notesSlide8.xml><?xml version="1.0" encoding="utf-8"?>
 <p:notes xmlns:a="http://schemas.openxmlformats.org/drawingml/2006/main" xmlns:r="http://schemas.openxmlformats.org/officeDocument/2006/relationships" xmlns:p="http://schemas.openxmlformats.org/presentationml/2006/main" showMasterSp="0" showMasterPhAnim="0">
   <p:cSld>
     <p:spTree>
@@ -3214,7 +3637,7 @@
 </p:notes>
 </file>
 
-<file path=ppt/notesSlides/notesSlide8.xml><?xml version="1.0" encoding="utf-8"?>
+<file path=ppt/notesSlides/notesSlide9.xml><?xml version="1.0" encoding="utf-8"?>
 <p:notes xmlns:a="http://schemas.openxmlformats.org/drawingml/2006/main" xmlns:r="http://schemas.openxmlformats.org/officeDocument/2006/relationships" xmlns:p="http://schemas.openxmlformats.org/presentationml/2006/main" showMasterSp="0" showMasterPhAnim="0">
   <p:cSld>
     <p:spTree>
@@ -3308,321 +3731,6 @@
     <p:extLst>
       <p:ext uri="{BB962C8B-B14F-4D97-AF65-F5344CB8AC3E}">
         <p14:creationId xmlns:p14="http://schemas.microsoft.com/office/powerpoint/2010/main" val="1004580112"/>
-      </p:ext>
-    </p:extLst>
-  </p:cSld>
-  <p:clrMapOvr>
-    <a:masterClrMapping/>
-  </p:clrMapOvr>
-</p:notes>
-</file>
-
-<file path=ppt/notesSlides/notesSlide9.xml><?xml version="1.0" encoding="utf-8"?>
-<p:notes xmlns:a="http://schemas.openxmlformats.org/drawingml/2006/main" xmlns:r="http://schemas.openxmlformats.org/officeDocument/2006/relationships" xmlns:p="http://schemas.openxmlformats.org/presentationml/2006/main" showMasterSp="0" showMasterPhAnim="0">
-  <p:cSld>
-    <p:spTree>
-      <p:nvGrpSpPr>
-        <p:cNvPr id="1" name="Shape 363"/>
-        <p:cNvGrpSpPr/>
-        <p:nvPr/>
-      </p:nvGrpSpPr>
-      <p:grpSpPr>
-        <a:xfrm>
-          <a:off x="0" y="0"/>
-          <a:ext cx="0" cy="0"/>
-          <a:chOff x="0" y="0"/>
-          <a:chExt cx="0" cy="0"/>
-        </a:xfrm>
-      </p:grpSpPr>
-      <p:sp>
-        <p:nvSpPr>
-          <p:cNvPr id="364" name="Shape 364"/>
-          <p:cNvSpPr>
-            <a:spLocks noGrp="1" noRot="1" noChangeAspect="1"/>
-          </p:cNvSpPr>
-          <p:nvPr>
-            <p:ph type="sldImg" idx="2"/>
-          </p:nvPr>
-        </p:nvSpPr>
-        <p:spPr>
-          <a:xfrm>
-            <a:off x="406400" y="696913"/>
-            <a:ext cx="6197600" cy="3486150"/>
-          </a:xfrm>
-          <a:custGeom>
-            <a:avLst/>
-            <a:gdLst/>
-            <a:ahLst/>
-            <a:cxnLst/>
-            <a:rect l="0" t="0" r="0" b="0"/>
-            <a:pathLst>
-              <a:path w="120000" h="120000" extrusionOk="0">
-                <a:moveTo>
-                  <a:pt x="0" y="0"/>
-                </a:moveTo>
-                <a:lnTo>
-                  <a:pt x="120000" y="0"/>
-                </a:lnTo>
-                <a:lnTo>
-                  <a:pt x="120000" y="120000"/>
-                </a:lnTo>
-                <a:lnTo>
-                  <a:pt x="0" y="120000"/>
-                </a:lnTo>
-                <a:close/>
-              </a:path>
-            </a:pathLst>
-          </a:custGeom>
-        </p:spPr>
-      </p:sp>
-      <p:sp>
-        <p:nvSpPr>
-          <p:cNvPr id="365" name="Shape 365"/>
-          <p:cNvSpPr txBox="1">
-            <a:spLocks noGrp="1"/>
-          </p:cNvSpPr>
-          <p:nvPr>
-            <p:ph type="body" idx="1"/>
-          </p:nvPr>
-        </p:nvSpPr>
-        <p:spPr>
-          <a:xfrm>
-            <a:off x="701040" y="4415790"/>
-            <a:ext cx="5608320" cy="4183380"/>
-          </a:xfrm>
-          <a:prstGeom prst="rect">
-            <a:avLst/>
-          </a:prstGeom>
-        </p:spPr>
-        <p:txBody>
-          <a:bodyPr wrap="square" lIns="93162" tIns="93162" rIns="93162" bIns="93162" anchor="t" anchorCtr="0">
-            <a:noAutofit/>
-          </a:bodyPr>
-          <a:lstStyle/>
-          <a:p>
-            <a:pPr marL="698830" indent="-300885">
-              <a:lnSpc>
-                <a:spcPct val="115000"/>
-              </a:lnSpc>
-              <a:spcBef>
-                <a:spcPts val="306"/>
-              </a:spcBef>
-              <a:spcAft>
-                <a:spcPts val="102"/>
-              </a:spcAft>
-              <a:buClr>
-                <a:srgbClr val="252525"/>
-              </a:buClr>
-              <a:buSzPct val="95454"/>
-              <a:buFont typeface="Arial"/>
-              <a:buChar char="●"/>
-            </a:pPr>
-            <a:r>
-              <a:rPr lang="en">
-                <a:solidFill>
-                  <a:srgbClr val="252525"/>
-                </a:solidFill>
-                <a:highlight>
-                  <a:srgbClr val="FFFFFF"/>
-                </a:highlight>
-              </a:rPr>
-              <a:t>Level 0 contains the field devices such as flow and temperature sensors, and final control elements, such as </a:t>
-            </a:r>
-            <a:r>
-              <a:rPr lang="en">
-                <a:solidFill>
-                  <a:srgbClr val="0B0080"/>
-                </a:solidFill>
-                <a:highlight>
-                  <a:srgbClr val="FFFFFF"/>
-                </a:highlight>
-                <a:hlinkClick r:id="rId3"/>
-              </a:rPr>
-              <a:t>control valves</a:t>
-            </a:r>
-          </a:p>
-          <a:p>
-            <a:pPr marL="698830" indent="-300885">
-              <a:lnSpc>
-                <a:spcPct val="115000"/>
-              </a:lnSpc>
-              <a:spcBef>
-                <a:spcPts val="306"/>
-              </a:spcBef>
-              <a:spcAft>
-                <a:spcPts val="102"/>
-              </a:spcAft>
-              <a:buClr>
-                <a:srgbClr val="252525"/>
-              </a:buClr>
-              <a:buSzPct val="95454"/>
-              <a:buFont typeface="Arial"/>
-              <a:buChar char="●"/>
-            </a:pPr>
-            <a:r>
-              <a:rPr lang="en">
-                <a:solidFill>
-                  <a:srgbClr val="252525"/>
-                </a:solidFill>
-                <a:highlight>
-                  <a:srgbClr val="FFFFFF"/>
-                </a:highlight>
-              </a:rPr>
-              <a:t>Level 1 contains the industrialised Input/Output (I/O) modules, and their associated distributed electronic processors.</a:t>
-            </a:r>
-          </a:p>
-          <a:p>
-            <a:pPr marL="698830" indent="-300885">
-              <a:lnSpc>
-                <a:spcPct val="115000"/>
-              </a:lnSpc>
-              <a:spcBef>
-                <a:spcPts val="306"/>
-              </a:spcBef>
-              <a:spcAft>
-                <a:spcPts val="102"/>
-              </a:spcAft>
-              <a:buClr>
-                <a:srgbClr val="252525"/>
-              </a:buClr>
-              <a:buSzPct val="95454"/>
-              <a:buFont typeface="Arial"/>
-              <a:buChar char="●"/>
-            </a:pPr>
-            <a:r>
-              <a:rPr lang="en">
-                <a:solidFill>
-                  <a:srgbClr val="252525"/>
-                </a:solidFill>
-                <a:highlight>
-                  <a:srgbClr val="FFFFFF"/>
-                </a:highlight>
-              </a:rPr>
-              <a:t>Level 2 contains the supervisory computers, which collate information from processor nodes on the system, and provide the operator control screens.</a:t>
-            </a:r>
-          </a:p>
-          <a:p>
-            <a:pPr marL="698830" indent="-300885">
-              <a:lnSpc>
-                <a:spcPct val="115000"/>
-              </a:lnSpc>
-              <a:spcBef>
-                <a:spcPts val="306"/>
-              </a:spcBef>
-              <a:spcAft>
-                <a:spcPts val="102"/>
-              </a:spcAft>
-              <a:buClr>
-                <a:srgbClr val="252525"/>
-              </a:buClr>
-              <a:buSzPct val="95454"/>
-              <a:buFont typeface="Arial"/>
-              <a:buChar char="●"/>
-            </a:pPr>
-            <a:r>
-              <a:rPr lang="en">
-                <a:solidFill>
-                  <a:srgbClr val="252525"/>
-                </a:solidFill>
-                <a:highlight>
-                  <a:srgbClr val="FFFFFF"/>
-                </a:highlight>
-              </a:rPr>
-              <a:t>Level 3 is the production control level, which does not directly control the process, but is concerned with monitoring production and monitoring targets</a:t>
-            </a:r>
-          </a:p>
-          <a:p>
-            <a:pPr marL="698830" indent="-300885">
-              <a:lnSpc>
-                <a:spcPct val="115000"/>
-              </a:lnSpc>
-              <a:spcBef>
-                <a:spcPts val="306"/>
-              </a:spcBef>
-              <a:spcAft>
-                <a:spcPts val="102"/>
-              </a:spcAft>
-              <a:buClr>
-                <a:srgbClr val="252525"/>
-              </a:buClr>
-              <a:buSzPct val="95454"/>
-              <a:buFont typeface="Arial"/>
-              <a:buChar char="●"/>
-            </a:pPr>
-            <a:r>
-              <a:rPr lang="en">
-                <a:solidFill>
-                  <a:srgbClr val="252525"/>
-                </a:solidFill>
-                <a:highlight>
-                  <a:srgbClr val="FFFFFF"/>
-                </a:highlight>
-              </a:rPr>
-              <a:t>Level 4 is the production scheduling level.</a:t>
-            </a:r>
-          </a:p>
-          <a:p>
-            <a:pPr>
-              <a:lnSpc>
-                <a:spcPct val="115000"/>
-              </a:lnSpc>
-              <a:spcBef>
-                <a:spcPts val="611"/>
-              </a:spcBef>
-              <a:spcAft>
-                <a:spcPts val="611"/>
-              </a:spcAft>
-              <a:buNone/>
-            </a:pPr>
-            <a:r>
-              <a:rPr lang="en">
-                <a:solidFill>
-                  <a:srgbClr val="252525"/>
-                </a:solidFill>
-                <a:highlight>
-                  <a:srgbClr val="FFFFFF"/>
-                </a:highlight>
-              </a:rPr>
-              <a:t>Levels 1 and 2 are the functional levels of a traditional DCS, in which all equipment are part of an integrated system from a single manufacturer.</a:t>
-            </a:r>
-          </a:p>
-          <a:p>
-            <a:pPr>
-              <a:lnSpc>
-                <a:spcPct val="115000"/>
-              </a:lnSpc>
-              <a:spcBef>
-                <a:spcPts val="611"/>
-              </a:spcBef>
-              <a:spcAft>
-                <a:spcPts val="611"/>
-              </a:spcAft>
-              <a:buNone/>
-            </a:pPr>
-            <a:r>
-              <a:rPr lang="en">
-                <a:solidFill>
-                  <a:srgbClr val="252525"/>
-                </a:solidFill>
-                <a:highlight>
-                  <a:srgbClr val="FFFFFF"/>
-                </a:highlight>
-              </a:rPr>
-              <a:t>Levels 3 and 4 are not strictly process control in the traditional sense, but where production control and scheduling takes place.</a:t>
-            </a:r>
-          </a:p>
-          <a:p>
-            <a:pPr>
-              <a:buNone/>
-            </a:pPr>
-            <a:endParaRPr/>
-          </a:p>
-        </p:txBody>
-      </p:sp>
-    </p:spTree>
-    <p:extLst>
-      <p:ext uri="{BB962C8B-B14F-4D97-AF65-F5344CB8AC3E}">
-        <p14:creationId xmlns:p14="http://schemas.microsoft.com/office/powerpoint/2010/main" val="3998913024"/>
       </p:ext>
     </p:extLst>
   </p:cSld>
@@ -8380,6 +8488,386 @@
 </file>
 
 <file path=ppt/slideLayouts/slideLayout17.xml><?xml version="1.0" encoding="utf-8"?>
+<p:sldLayout xmlns:a="http://schemas.openxmlformats.org/drawingml/2006/main" xmlns:r="http://schemas.openxmlformats.org/officeDocument/2006/relationships" xmlns:p="http://schemas.openxmlformats.org/presentationml/2006/main" userDrawn="1">
+  <p:cSld name="Title and Content - dark gradient">
+    <p:bg>
+      <p:bgPr>
+        <a:gradFill>
+          <a:gsLst>
+            <a:gs pos="19000">
+              <a:schemeClr val="bg2"/>
+            </a:gs>
+            <a:gs pos="100000">
+              <a:schemeClr val="bg2">
+                <a:lumMod val="30000"/>
+              </a:schemeClr>
+            </a:gs>
+            <a:gs pos="0">
+              <a:schemeClr val="bg2"/>
+            </a:gs>
+          </a:gsLst>
+          <a:path path="circle">
+            <a:fillToRect l="50000" t="50000" r="50000" b="50000"/>
+          </a:path>
+        </a:gradFill>
+        <a:effectLst/>
+      </p:bgPr>
+    </p:bg>
+    <p:spTree>
+      <p:nvGrpSpPr>
+        <p:cNvPr id="1" name=""/>
+        <p:cNvGrpSpPr/>
+        <p:nvPr/>
+      </p:nvGrpSpPr>
+      <p:grpSpPr>
+        <a:xfrm>
+          <a:off x="0" y="0"/>
+          <a:ext cx="0" cy="0"/>
+          <a:chOff x="0" y="0"/>
+          <a:chExt cx="0" cy="0"/>
+        </a:xfrm>
+      </p:grpSpPr>
+      <p:pic>
+        <p:nvPicPr>
+          <p:cNvPr id="2050" name="Picture 2"/>
+          <p:cNvPicPr>
+            <a:picLocks noChangeAspect="1" noChangeArrowheads="1"/>
+          </p:cNvPicPr>
+          <p:nvPr userDrawn="1"/>
+        </p:nvPicPr>
+        <p:blipFill>
+          <a:blip r:embed="rId2">
+            <a:extLst>
+              <a:ext uri="{28A0092B-C50C-407E-A947-70E740481C1C}">
+                <a14:useLocalDpi xmlns:a14="http://schemas.microsoft.com/office/drawing/2010/main" val="0"/>
+              </a:ext>
+            </a:extLst>
+          </a:blip>
+          <a:stretch>
+            <a:fillRect/>
+          </a:stretch>
+        </p:blipFill>
+        <p:spPr bwMode="auto">
+          <a:xfrm>
+            <a:off x="5675" y="1"/>
+            <a:ext cx="9132652" cy="4803775"/>
+          </a:xfrm>
+          <a:prstGeom prst="rect">
+            <a:avLst/>
+          </a:prstGeom>
+          <a:noFill/>
+          <a:ln>
+            <a:noFill/>
+          </a:ln>
+          <a:effectLst/>
+          <a:extLst>
+            <a:ext uri="{909E8E84-426E-40DD-AFC4-6F175D3DCCD1}">
+              <a14:hiddenFill xmlns:a14="http://schemas.microsoft.com/office/drawing/2010/main">
+                <a:solidFill>
+                  <a:schemeClr val="accent1"/>
+                </a:solidFill>
+              </a14:hiddenFill>
+            </a:ext>
+            <a:ext uri="{91240B29-F687-4F45-9708-019B960494DF}">
+              <a14:hiddenLine xmlns:a14="http://schemas.microsoft.com/office/drawing/2010/main" w="9525">
+                <a:solidFill>
+                  <a:schemeClr val="tx1"/>
+                </a:solidFill>
+                <a:miter lim="800000"/>
+                <a:headEnd/>
+                <a:tailEnd/>
+              </a14:hiddenLine>
+            </a:ext>
+            <a:ext uri="{AF507438-7753-43E0-B8FC-AC1667EBCBE1}">
+              <a14:hiddenEffects xmlns:a14="http://schemas.microsoft.com/office/drawing/2010/main">
+                <a:effectLst>
+                  <a:outerShdw dist="35921" dir="2700000" algn="ctr" rotWithShape="0">
+                    <a:schemeClr val="bg2"/>
+                  </a:outerShdw>
+                </a:effectLst>
+              </a14:hiddenEffects>
+            </a:ext>
+          </a:extLst>
+        </p:spPr>
+      </p:pic>
+      <p:sp>
+        <p:nvSpPr>
+          <p:cNvPr id="2" name="Title 1"/>
+          <p:cNvSpPr>
+            <a:spLocks noGrp="1"/>
+          </p:cNvSpPr>
+          <p:nvPr userDrawn="1">
+            <p:ph type="title" hasCustomPrompt="1"/>
+          </p:nvPr>
+        </p:nvSpPr>
+        <p:spPr>
+          <a:xfrm>
+            <a:off x="353963" y="228526"/>
+            <a:ext cx="8436076" cy="512448"/>
+          </a:xfrm>
+        </p:spPr>
+        <p:txBody>
+          <a:bodyPr/>
+          <a:lstStyle>
+            <a:lvl1pPr>
+              <a:defRPr sz="3900">
+                <a:solidFill>
+                  <a:schemeClr val="tx1">
+                    <a:alpha val="90000"/>
+                  </a:schemeClr>
+                </a:solidFill>
+              </a:defRPr>
+            </a:lvl1pPr>
+          </a:lstStyle>
+          <a:p>
+            <a:r>
+              <a:rPr lang="en-US" dirty="0"/>
+              <a:t>Click to edit title</a:t>
+            </a:r>
+          </a:p>
+        </p:txBody>
+      </p:sp>
+      <p:sp>
+        <p:nvSpPr>
+          <p:cNvPr id="3" name="Content Placeholder 2"/>
+          <p:cNvSpPr>
+            <a:spLocks noGrp="1"/>
+          </p:cNvSpPr>
+          <p:nvPr userDrawn="1">
+            <p:ph idx="1" hasCustomPrompt="1"/>
+          </p:nvPr>
+        </p:nvSpPr>
+        <p:spPr>
+          <a:xfrm>
+            <a:off x="353963" y="1168842"/>
+            <a:ext cx="8436076" cy="3213739"/>
+          </a:xfrm>
+        </p:spPr>
+        <p:txBody>
+          <a:bodyPr/>
+          <a:lstStyle>
+            <a:lvl1pPr>
+              <a:buClr>
+                <a:schemeClr val="tx1"/>
+              </a:buClr>
+              <a:defRPr>
+                <a:solidFill>
+                  <a:schemeClr val="tx1"/>
+                </a:solidFill>
+              </a:defRPr>
+            </a:lvl1pPr>
+            <a:lvl2pPr>
+              <a:buClr>
+                <a:schemeClr val="tx1"/>
+              </a:buClr>
+              <a:defRPr>
+                <a:solidFill>
+                  <a:schemeClr val="tx1"/>
+                </a:solidFill>
+              </a:defRPr>
+            </a:lvl2pPr>
+            <a:lvl3pPr>
+              <a:buClr>
+                <a:schemeClr val="tx1"/>
+              </a:buClr>
+              <a:defRPr>
+                <a:solidFill>
+                  <a:schemeClr val="tx1"/>
+                </a:solidFill>
+              </a:defRPr>
+            </a:lvl3pPr>
+            <a:lvl4pPr>
+              <a:buClr>
+                <a:schemeClr val="tx1"/>
+              </a:buClr>
+              <a:defRPr>
+                <a:solidFill>
+                  <a:schemeClr val="tx1"/>
+                </a:solidFill>
+              </a:defRPr>
+            </a:lvl4pPr>
+            <a:lvl5pPr>
+              <a:buClr>
+                <a:schemeClr val="tx1"/>
+              </a:buClr>
+              <a:defRPr>
+                <a:solidFill>
+                  <a:schemeClr val="tx1"/>
+                </a:solidFill>
+              </a:defRPr>
+            </a:lvl5pPr>
+          </a:lstStyle>
+          <a:p>
+            <a:pPr lvl="0"/>
+            <a:r>
+              <a:rPr lang="en-US" dirty="0"/>
+              <a:t>Click to edit text</a:t>
+            </a:r>
+          </a:p>
+          <a:p>
+            <a:pPr lvl="1"/>
+            <a:r>
+              <a:rPr lang="en-US" dirty="0"/>
+              <a:t>Second level</a:t>
+            </a:r>
+          </a:p>
+          <a:p>
+            <a:pPr lvl="2"/>
+            <a:r>
+              <a:rPr lang="en-US" dirty="0"/>
+              <a:t>Third level</a:t>
+            </a:r>
+          </a:p>
+          <a:p>
+            <a:pPr lvl="3"/>
+            <a:r>
+              <a:rPr lang="en-US" dirty="0"/>
+              <a:t>Fourth level</a:t>
+            </a:r>
+          </a:p>
+          <a:p>
+            <a:pPr lvl="4"/>
+            <a:r>
+              <a:rPr lang="en-US" dirty="0"/>
+              <a:t>Fifth level</a:t>
+            </a:r>
+          </a:p>
+        </p:txBody>
+      </p:sp>
+      <p:sp>
+        <p:nvSpPr>
+          <p:cNvPr id="7" name="Text Placeholder 7"/>
+          <p:cNvSpPr>
+            <a:spLocks noGrp="1"/>
+          </p:cNvSpPr>
+          <p:nvPr userDrawn="1">
+            <p:ph type="body" sz="quarter" idx="13" hasCustomPrompt="1"/>
+          </p:nvPr>
+        </p:nvSpPr>
+        <p:spPr>
+          <a:xfrm>
+            <a:off x="353963" y="4620839"/>
+            <a:ext cx="8436076" cy="184666"/>
+          </a:xfrm>
+        </p:spPr>
+        <p:txBody>
+          <a:bodyPr wrap="square" anchor="b" anchorCtr="0">
+            <a:spAutoFit/>
+          </a:bodyPr>
+          <a:lstStyle>
+            <a:lvl1pPr marL="0" indent="0">
+              <a:lnSpc>
+                <a:spcPct val="75000"/>
+              </a:lnSpc>
+              <a:spcBef>
+                <a:spcPts val="0"/>
+              </a:spcBef>
+              <a:buFont typeface="Arial" pitchFamily="34" charset="0"/>
+              <a:buNone/>
+              <a:defRPr sz="800">
+                <a:solidFill>
+                  <a:schemeClr val="tx1">
+                    <a:lumMod val="75000"/>
+                  </a:schemeClr>
+                </a:solidFill>
+                <a:latin typeface="+mn-lt"/>
+              </a:defRPr>
+            </a:lvl1pPr>
+            <a:lvl2pPr marL="171446" indent="-114297">
+              <a:defRPr sz="900"/>
+            </a:lvl2pPr>
+            <a:lvl3pPr marL="342892" indent="-114297">
+              <a:defRPr sz="900"/>
+            </a:lvl3pPr>
+            <a:lvl4pPr marL="514337" indent="-114297">
+              <a:defRPr sz="900"/>
+            </a:lvl4pPr>
+            <a:lvl5pPr marL="685783" indent="-114297">
+              <a:defRPr sz="900"/>
+            </a:lvl5pPr>
+          </a:lstStyle>
+          <a:p>
+            <a:pPr lvl="0"/>
+            <a:r>
+              <a:rPr lang="en-US" dirty="0"/>
+              <a:t>Click to edit footnote</a:t>
+            </a:r>
+          </a:p>
+        </p:txBody>
+      </p:sp>
+      <p:sp>
+        <p:nvSpPr>
+          <p:cNvPr id="4" name="Slide Number Placeholder 3"/>
+          <p:cNvSpPr>
+            <a:spLocks noGrp="1"/>
+          </p:cNvSpPr>
+          <p:nvPr userDrawn="1">
+            <p:ph type="sldNum" sz="quarter" idx="14"/>
+          </p:nvPr>
+        </p:nvSpPr>
+        <p:spPr>
+          <a:xfrm>
+            <a:off x="8848345" y="4914889"/>
+            <a:ext cx="128240" cy="123111"/>
+          </a:xfrm>
+          <a:prstGeom prst="rect">
+            <a:avLst/>
+          </a:prstGeom>
+        </p:spPr>
+        <p:txBody>
+          <a:bodyPr/>
+          <a:lstStyle/>
+          <a:p>
+            <a:pPr eaLnBrk="0" fontAlgn="base" hangingPunct="0">
+              <a:spcBef>
+                <a:spcPct val="50000"/>
+              </a:spcBef>
+              <a:spcAft>
+                <a:spcPct val="0"/>
+              </a:spcAft>
+            </a:pPr>
+            <a:fld id="{FD44707B-D922-47D5-BD24-D96E91B70543}" type="slidenum">
+              <a:rPr/>
+              <a:pPr eaLnBrk="0" fontAlgn="base" hangingPunct="0">
+                <a:spcBef>
+                  <a:spcPct val="50000"/>
+                </a:spcBef>
+                <a:spcAft>
+                  <a:spcPct val="0"/>
+                </a:spcAft>
+              </a:pPr>
+              <a:t>‹#›</a:t>
+            </a:fld>
+            <a:endParaRPr dirty="0"/>
+          </a:p>
+        </p:txBody>
+      </p:sp>
+    </p:spTree>
+    <p:extLst>
+      <p:ext uri="{BB962C8B-B14F-4D97-AF65-F5344CB8AC3E}">
+        <p14:creationId xmlns:p14="http://schemas.microsoft.com/office/powerpoint/2010/main" val="170770171"/>
+      </p:ext>
+    </p:extLst>
+  </p:cSld>
+  <p:clrMapOvr>
+    <a:overrideClrMapping bg1="dk1" tx1="lt1" bg2="dk2" tx2="lt2" accent1="accent1" accent2="accent2" accent3="accent3" accent4="accent4" accent5="accent5" accent6="accent6" hlink="hlink" folHlink="folHlink"/>
+  </p:clrMapOvr>
+  <mc:AlternateContent xmlns:mc="http://schemas.openxmlformats.org/markup-compatibility/2006" xmlns:p14="http://schemas.microsoft.com/office/powerpoint/2010/main">
+    <mc:Choice Requires="p14">
+      <p:transition spd="med" p14:dur="700">
+        <p:fade/>
+      </p:transition>
+    </mc:Choice>
+    <mc:Fallback xmlns="">
+      <p:transition spd="med">
+        <p:fade/>
+      </p:transition>
+    </mc:Fallback>
+  </mc:AlternateContent>
+</p:sldLayout>
+</file>
+
+<file path=ppt/slideLayouts/slideLayout18.xml><?xml version="1.0" encoding="utf-8"?>
 <p:sldLayout xmlns:a="http://schemas.openxmlformats.org/drawingml/2006/main" xmlns:r="http://schemas.openxmlformats.org/officeDocument/2006/relationships" xmlns:p="http://schemas.openxmlformats.org/presentationml/2006/main" preserve="1" userDrawn="1">
   <p:cSld name="Title Only - dark gradient">
     <p:bg>
@@ -8607,7 +9095,7 @@
 </p:sldLayout>
 </file>
 
-<file path=ppt/slideLayouts/slideLayout18.xml><?xml version="1.0" encoding="utf-8"?>
+<file path=ppt/slideLayouts/slideLayout19.xml><?xml version="1.0" encoding="utf-8"?>
 <p:sldLayout xmlns:a="http://schemas.openxmlformats.org/drawingml/2006/main" xmlns:r="http://schemas.openxmlformats.org/officeDocument/2006/relationships" xmlns:p="http://schemas.openxmlformats.org/presentationml/2006/main" type="blank" preserve="1">
   <p:cSld name="Blank - dark gradient">
     <p:bg>
@@ -8716,366 +9204,6 @@
     <p:extLst>
       <p:ext uri="{BB962C8B-B14F-4D97-AF65-F5344CB8AC3E}">
         <p14:creationId xmlns:p14="http://schemas.microsoft.com/office/powerpoint/2010/main" val="3344446991"/>
-      </p:ext>
-    </p:extLst>
-  </p:cSld>
-  <p:clrMapOvr>
-    <a:overrideClrMapping bg1="dk1" tx1="lt1" bg2="dk2" tx2="lt2" accent1="accent1" accent2="accent2" accent3="accent3" accent4="accent4" accent5="accent5" accent6="accent6" hlink="hlink" folHlink="folHlink"/>
-  </p:clrMapOvr>
-  <mc:AlternateContent xmlns:mc="http://schemas.openxmlformats.org/markup-compatibility/2006" xmlns:p14="http://schemas.microsoft.com/office/powerpoint/2010/main">
-    <mc:Choice Requires="p14">
-      <p:transition spd="med" p14:dur="700">
-        <p:fade/>
-      </p:transition>
-    </mc:Choice>
-    <mc:Fallback xmlns="">
-      <p:transition spd="med">
-        <p:fade/>
-      </p:transition>
-    </mc:Fallback>
-  </mc:AlternateContent>
-  <p:timing>
-    <p:tnLst>
-      <p:par>
-        <p:cTn id="1" dur="indefinite" restart="never" nodeType="tmRoot"/>
-      </p:par>
-    </p:tnLst>
-  </p:timing>
-</p:sldLayout>
-</file>
-
-<file path=ppt/slideLayouts/slideLayout19.xml><?xml version="1.0" encoding="utf-8"?>
-<p:sldLayout xmlns:a="http://schemas.openxmlformats.org/drawingml/2006/main" xmlns:r="http://schemas.openxmlformats.org/officeDocument/2006/relationships" xmlns:p="http://schemas.openxmlformats.org/presentationml/2006/main" preserve="1" userDrawn="1">
-  <p:cSld name="Poll">
-    <p:bg>
-      <p:bgPr>
-        <a:gradFill>
-          <a:gsLst>
-            <a:gs pos="19000">
-              <a:schemeClr val="bg2"/>
-            </a:gs>
-            <a:gs pos="100000">
-              <a:schemeClr val="bg2">
-                <a:lumMod val="30000"/>
-              </a:schemeClr>
-            </a:gs>
-            <a:gs pos="0">
-              <a:schemeClr val="bg2"/>
-            </a:gs>
-          </a:gsLst>
-          <a:path path="circle">
-            <a:fillToRect l="50000" t="50000" r="50000" b="50000"/>
-          </a:path>
-        </a:gradFill>
-        <a:effectLst/>
-      </p:bgPr>
-    </p:bg>
-    <p:spTree>
-      <p:nvGrpSpPr>
-        <p:cNvPr id="1" name=""/>
-        <p:cNvGrpSpPr/>
-        <p:nvPr/>
-      </p:nvGrpSpPr>
-      <p:grpSpPr>
-        <a:xfrm>
-          <a:off x="0" y="0"/>
-          <a:ext cx="0" cy="0"/>
-          <a:chOff x="0" y="0"/>
-          <a:chExt cx="0" cy="0"/>
-        </a:xfrm>
-      </p:grpSpPr>
-      <p:sp>
-        <p:nvSpPr>
-          <p:cNvPr id="3" name="Title 1"/>
-          <p:cNvSpPr>
-            <a:spLocks noGrp="1"/>
-          </p:cNvSpPr>
-          <p:nvPr>
-            <p:ph type="ctrTitle" hasCustomPrompt="1"/>
-          </p:nvPr>
-        </p:nvSpPr>
-        <p:spPr>
-          <a:xfrm>
-            <a:off x="291703" y="231665"/>
-            <a:ext cx="8498681" cy="674031"/>
-          </a:xfrm>
-        </p:spPr>
-        <p:txBody>
-          <a:bodyPr wrap="square" anchor="b" anchorCtr="0">
-            <a:spAutoFit/>
-          </a:bodyPr>
-          <a:lstStyle>
-            <a:lvl1pPr algn="l">
-              <a:lnSpc>
-                <a:spcPct val="70000"/>
-              </a:lnSpc>
-              <a:defRPr sz="5400" b="0">
-                <a:solidFill>
-                  <a:schemeClr val="tx1">
-                    <a:alpha val="90000"/>
-                  </a:schemeClr>
-                </a:solidFill>
-                <a:latin typeface="+mj-lt"/>
-              </a:defRPr>
-            </a:lvl1pPr>
-          </a:lstStyle>
-          <a:p>
-            <a:r>
-              <a:rPr lang="en-US" dirty="0" smtClean="0"/>
-              <a:t>Click to edit title</a:t>
-            </a:r>
-            <a:endParaRPr lang="en-US" dirty="0"/>
-          </a:p>
-        </p:txBody>
-      </p:sp>
-      <p:sp>
-        <p:nvSpPr>
-          <p:cNvPr id="4" name="Text Placeholder 3"/>
-          <p:cNvSpPr>
-            <a:spLocks noGrp="1"/>
-          </p:cNvSpPr>
-          <p:nvPr>
-            <p:ph type="body" sz="quarter" idx="11" hasCustomPrompt="1"/>
-          </p:nvPr>
-        </p:nvSpPr>
-        <p:spPr>
-          <a:xfrm>
-            <a:off x="925183" y="2303175"/>
-            <a:ext cx="7865202" cy="2169825"/>
-          </a:xfrm>
-        </p:spPr>
-        <p:txBody>
-          <a:bodyPr wrap="square">
-            <a:spAutoFit/>
-          </a:bodyPr>
-          <a:lstStyle>
-            <a:lvl1pPr marL="257175" indent="-257175">
-              <a:lnSpc>
-                <a:spcPct val="150000"/>
-              </a:lnSpc>
-              <a:spcBef>
-                <a:spcPts val="0"/>
-              </a:spcBef>
-              <a:buClr>
-                <a:schemeClr val="tx1"/>
-              </a:buClr>
-              <a:buFont typeface="Arial" panose="020B0604020202020204" pitchFamily="34" charset="0"/>
-              <a:buChar char="•"/>
-              <a:defRPr sz="1800">
-                <a:solidFill>
-                  <a:schemeClr val="tx1"/>
-                </a:solidFill>
-              </a:defRPr>
-            </a:lvl1pPr>
-            <a:lvl2pPr>
-              <a:lnSpc>
-                <a:spcPct val="150000"/>
-              </a:lnSpc>
-              <a:spcBef>
-                <a:spcPts val="0"/>
-              </a:spcBef>
-              <a:buClr>
-                <a:schemeClr val="tx1"/>
-              </a:buClr>
-              <a:defRPr sz="1800">
-                <a:solidFill>
-                  <a:schemeClr val="tx1"/>
-                </a:solidFill>
-              </a:defRPr>
-            </a:lvl2pPr>
-            <a:lvl3pPr>
-              <a:lnSpc>
-                <a:spcPct val="150000"/>
-              </a:lnSpc>
-              <a:spcBef>
-                <a:spcPts val="0"/>
-              </a:spcBef>
-              <a:buClr>
-                <a:schemeClr val="tx1"/>
-              </a:buClr>
-              <a:defRPr sz="1800">
-                <a:solidFill>
-                  <a:schemeClr val="tx1"/>
-                </a:solidFill>
-              </a:defRPr>
-            </a:lvl3pPr>
-            <a:lvl4pPr>
-              <a:lnSpc>
-                <a:spcPct val="150000"/>
-              </a:lnSpc>
-              <a:spcBef>
-                <a:spcPts val="0"/>
-              </a:spcBef>
-              <a:buClr>
-                <a:schemeClr val="tx1"/>
-              </a:buClr>
-              <a:defRPr sz="1800">
-                <a:solidFill>
-                  <a:schemeClr val="tx1"/>
-                </a:solidFill>
-              </a:defRPr>
-            </a:lvl4pPr>
-            <a:lvl5pPr>
-              <a:lnSpc>
-                <a:spcPct val="150000"/>
-              </a:lnSpc>
-              <a:spcBef>
-                <a:spcPts val="0"/>
-              </a:spcBef>
-              <a:buClr>
-                <a:schemeClr val="tx1"/>
-              </a:buClr>
-              <a:defRPr sz="1800">
-                <a:solidFill>
-                  <a:schemeClr val="tx1"/>
-                </a:solidFill>
-              </a:defRPr>
-            </a:lvl5pPr>
-          </a:lstStyle>
-          <a:p>
-            <a:pPr lvl="0"/>
-            <a:r>
-              <a:rPr lang="en-US" dirty="0" smtClean="0"/>
-              <a:t>Click to edit text</a:t>
-            </a:r>
-          </a:p>
-          <a:p>
-            <a:pPr lvl="1"/>
-            <a:r>
-              <a:rPr lang="en-US" dirty="0" smtClean="0"/>
-              <a:t>Second level</a:t>
-            </a:r>
-          </a:p>
-          <a:p>
-            <a:pPr lvl="2"/>
-            <a:r>
-              <a:rPr lang="en-US" dirty="0" smtClean="0"/>
-              <a:t>Third level</a:t>
-            </a:r>
-          </a:p>
-          <a:p>
-            <a:pPr lvl="3"/>
-            <a:r>
-              <a:rPr lang="en-US" dirty="0" smtClean="0"/>
-              <a:t>Fourth level</a:t>
-            </a:r>
-          </a:p>
-          <a:p>
-            <a:pPr lvl="4"/>
-            <a:r>
-              <a:rPr lang="en-US" dirty="0" smtClean="0"/>
-              <a:t>Fifth level</a:t>
-            </a:r>
-            <a:endParaRPr lang="en-US" dirty="0"/>
-          </a:p>
-        </p:txBody>
-      </p:sp>
-      <p:sp>
-        <p:nvSpPr>
-          <p:cNvPr id="2" name="Slide Number Placeholder 1"/>
-          <p:cNvSpPr>
-            <a:spLocks noGrp="1"/>
-          </p:cNvSpPr>
-          <p:nvPr>
-            <p:ph type="sldNum" sz="quarter" idx="12"/>
-          </p:nvPr>
-        </p:nvSpPr>
-        <p:spPr>
-          <a:xfrm>
-            <a:off x="8848345" y="4914889"/>
-            <a:ext cx="128240" cy="123111"/>
-          </a:xfrm>
-          <a:prstGeom prst="rect">
-            <a:avLst/>
-          </a:prstGeom>
-        </p:spPr>
-        <p:txBody>
-          <a:bodyPr/>
-          <a:lstStyle>
-            <a:lvl1pPr>
-              <a:defRPr sz="900"/>
-            </a:lvl1pPr>
-          </a:lstStyle>
-          <a:p>
-            <a:pPr eaLnBrk="0" fontAlgn="base" hangingPunct="0">
-              <a:spcBef>
-                <a:spcPct val="50000"/>
-              </a:spcBef>
-              <a:spcAft>
-                <a:spcPct val="0"/>
-              </a:spcAft>
-            </a:pPr>
-            <a:fld id="{FD44707B-D922-47D5-BD24-D96E91B70543}" type="slidenum">
-              <a:rPr lang="en-US" kern="1200" smtClean="0">
-                <a:solidFill>
-                  <a:prstClr val="white"/>
-                </a:solidFill>
-                <a:latin typeface="Intel Clear"/>
-                <a:ea typeface="+mn-ea"/>
-                <a:cs typeface="+mn-cs"/>
-              </a:rPr>
-              <a:pPr eaLnBrk="0" fontAlgn="base" hangingPunct="0">
-                <a:spcBef>
-                  <a:spcPct val="50000"/>
-                </a:spcBef>
-                <a:spcAft>
-                  <a:spcPct val="0"/>
-                </a:spcAft>
-              </a:pPr>
-              <a:t>‹#›</a:t>
-            </a:fld>
-            <a:endParaRPr lang="en-US" kern="1200" dirty="0">
-              <a:solidFill>
-                <a:prstClr val="white"/>
-              </a:solidFill>
-              <a:latin typeface="Intel Clear"/>
-              <a:ea typeface="+mn-ea"/>
-              <a:cs typeface="+mn-cs"/>
-            </a:endParaRPr>
-          </a:p>
-        </p:txBody>
-      </p:sp>
-      <p:sp>
-        <p:nvSpPr>
-          <p:cNvPr id="10" name="Text Placeholder 9"/>
-          <p:cNvSpPr>
-            <a:spLocks noGrp="1"/>
-          </p:cNvSpPr>
-          <p:nvPr>
-            <p:ph type="body" sz="quarter" idx="13" hasCustomPrompt="1"/>
-          </p:nvPr>
-        </p:nvSpPr>
-        <p:spPr>
-          <a:xfrm>
-            <a:off x="291704" y="1410892"/>
-            <a:ext cx="8498681" cy="821531"/>
-          </a:xfrm>
-        </p:spPr>
-        <p:txBody>
-          <a:bodyPr/>
-          <a:lstStyle>
-            <a:lvl1pPr>
-              <a:defRPr sz="3000" baseline="0">
-                <a:solidFill>
-                  <a:srgbClr val="F3D54E"/>
-                </a:solidFill>
-              </a:defRPr>
-            </a:lvl1pPr>
-          </a:lstStyle>
-          <a:p>
-            <a:pPr lvl="0"/>
-            <a:r>
-              <a:rPr lang="en-US" dirty="0" smtClean="0"/>
-              <a:t>Insert Poll Question here…</a:t>
-            </a:r>
-            <a:endParaRPr lang="en-US" dirty="0"/>
-          </a:p>
-        </p:txBody>
-      </p:sp>
-    </p:spTree>
-    <p:extLst>
-      <p:ext uri="{BB962C8B-B14F-4D97-AF65-F5344CB8AC3E}">
-        <p14:creationId xmlns:p14="http://schemas.microsoft.com/office/powerpoint/2010/main" val="1030172342"/>
       </p:ext>
     </p:extLst>
   </p:cSld>
@@ -9561,6 +9689,366 @@
 
 <file path=ppt/slideLayouts/slideLayout20.xml><?xml version="1.0" encoding="utf-8"?>
 <p:sldLayout xmlns:a="http://schemas.openxmlformats.org/drawingml/2006/main" xmlns:r="http://schemas.openxmlformats.org/officeDocument/2006/relationships" xmlns:p="http://schemas.openxmlformats.org/presentationml/2006/main" preserve="1" userDrawn="1">
+  <p:cSld name="Poll">
+    <p:bg>
+      <p:bgPr>
+        <a:gradFill>
+          <a:gsLst>
+            <a:gs pos="19000">
+              <a:schemeClr val="bg2"/>
+            </a:gs>
+            <a:gs pos="100000">
+              <a:schemeClr val="bg2">
+                <a:lumMod val="30000"/>
+              </a:schemeClr>
+            </a:gs>
+            <a:gs pos="0">
+              <a:schemeClr val="bg2"/>
+            </a:gs>
+          </a:gsLst>
+          <a:path path="circle">
+            <a:fillToRect l="50000" t="50000" r="50000" b="50000"/>
+          </a:path>
+        </a:gradFill>
+        <a:effectLst/>
+      </p:bgPr>
+    </p:bg>
+    <p:spTree>
+      <p:nvGrpSpPr>
+        <p:cNvPr id="1" name=""/>
+        <p:cNvGrpSpPr/>
+        <p:nvPr/>
+      </p:nvGrpSpPr>
+      <p:grpSpPr>
+        <a:xfrm>
+          <a:off x="0" y="0"/>
+          <a:ext cx="0" cy="0"/>
+          <a:chOff x="0" y="0"/>
+          <a:chExt cx="0" cy="0"/>
+        </a:xfrm>
+      </p:grpSpPr>
+      <p:sp>
+        <p:nvSpPr>
+          <p:cNvPr id="3" name="Title 1"/>
+          <p:cNvSpPr>
+            <a:spLocks noGrp="1"/>
+          </p:cNvSpPr>
+          <p:nvPr>
+            <p:ph type="ctrTitle" hasCustomPrompt="1"/>
+          </p:nvPr>
+        </p:nvSpPr>
+        <p:spPr>
+          <a:xfrm>
+            <a:off x="291703" y="231665"/>
+            <a:ext cx="8498681" cy="674031"/>
+          </a:xfrm>
+        </p:spPr>
+        <p:txBody>
+          <a:bodyPr wrap="square" anchor="b" anchorCtr="0">
+            <a:spAutoFit/>
+          </a:bodyPr>
+          <a:lstStyle>
+            <a:lvl1pPr algn="l">
+              <a:lnSpc>
+                <a:spcPct val="70000"/>
+              </a:lnSpc>
+              <a:defRPr sz="5400" b="0">
+                <a:solidFill>
+                  <a:schemeClr val="tx1">
+                    <a:alpha val="90000"/>
+                  </a:schemeClr>
+                </a:solidFill>
+                <a:latin typeface="+mj-lt"/>
+              </a:defRPr>
+            </a:lvl1pPr>
+          </a:lstStyle>
+          <a:p>
+            <a:r>
+              <a:rPr lang="en-US" dirty="0" smtClean="0"/>
+              <a:t>Click to edit title</a:t>
+            </a:r>
+            <a:endParaRPr lang="en-US" dirty="0"/>
+          </a:p>
+        </p:txBody>
+      </p:sp>
+      <p:sp>
+        <p:nvSpPr>
+          <p:cNvPr id="4" name="Text Placeholder 3"/>
+          <p:cNvSpPr>
+            <a:spLocks noGrp="1"/>
+          </p:cNvSpPr>
+          <p:nvPr>
+            <p:ph type="body" sz="quarter" idx="11" hasCustomPrompt="1"/>
+          </p:nvPr>
+        </p:nvSpPr>
+        <p:spPr>
+          <a:xfrm>
+            <a:off x="925183" y="2303175"/>
+            <a:ext cx="7865202" cy="2169825"/>
+          </a:xfrm>
+        </p:spPr>
+        <p:txBody>
+          <a:bodyPr wrap="square">
+            <a:spAutoFit/>
+          </a:bodyPr>
+          <a:lstStyle>
+            <a:lvl1pPr marL="257175" indent="-257175">
+              <a:lnSpc>
+                <a:spcPct val="150000"/>
+              </a:lnSpc>
+              <a:spcBef>
+                <a:spcPts val="0"/>
+              </a:spcBef>
+              <a:buClr>
+                <a:schemeClr val="tx1"/>
+              </a:buClr>
+              <a:buFont typeface="Arial" panose="020B0604020202020204" pitchFamily="34" charset="0"/>
+              <a:buChar char="•"/>
+              <a:defRPr sz="1800">
+                <a:solidFill>
+                  <a:schemeClr val="tx1"/>
+                </a:solidFill>
+              </a:defRPr>
+            </a:lvl1pPr>
+            <a:lvl2pPr>
+              <a:lnSpc>
+                <a:spcPct val="150000"/>
+              </a:lnSpc>
+              <a:spcBef>
+                <a:spcPts val="0"/>
+              </a:spcBef>
+              <a:buClr>
+                <a:schemeClr val="tx1"/>
+              </a:buClr>
+              <a:defRPr sz="1800">
+                <a:solidFill>
+                  <a:schemeClr val="tx1"/>
+                </a:solidFill>
+              </a:defRPr>
+            </a:lvl2pPr>
+            <a:lvl3pPr>
+              <a:lnSpc>
+                <a:spcPct val="150000"/>
+              </a:lnSpc>
+              <a:spcBef>
+                <a:spcPts val="0"/>
+              </a:spcBef>
+              <a:buClr>
+                <a:schemeClr val="tx1"/>
+              </a:buClr>
+              <a:defRPr sz="1800">
+                <a:solidFill>
+                  <a:schemeClr val="tx1"/>
+                </a:solidFill>
+              </a:defRPr>
+            </a:lvl3pPr>
+            <a:lvl4pPr>
+              <a:lnSpc>
+                <a:spcPct val="150000"/>
+              </a:lnSpc>
+              <a:spcBef>
+                <a:spcPts val="0"/>
+              </a:spcBef>
+              <a:buClr>
+                <a:schemeClr val="tx1"/>
+              </a:buClr>
+              <a:defRPr sz="1800">
+                <a:solidFill>
+                  <a:schemeClr val="tx1"/>
+                </a:solidFill>
+              </a:defRPr>
+            </a:lvl4pPr>
+            <a:lvl5pPr>
+              <a:lnSpc>
+                <a:spcPct val="150000"/>
+              </a:lnSpc>
+              <a:spcBef>
+                <a:spcPts val="0"/>
+              </a:spcBef>
+              <a:buClr>
+                <a:schemeClr val="tx1"/>
+              </a:buClr>
+              <a:defRPr sz="1800">
+                <a:solidFill>
+                  <a:schemeClr val="tx1"/>
+                </a:solidFill>
+              </a:defRPr>
+            </a:lvl5pPr>
+          </a:lstStyle>
+          <a:p>
+            <a:pPr lvl="0"/>
+            <a:r>
+              <a:rPr lang="en-US" dirty="0" smtClean="0"/>
+              <a:t>Click to edit text</a:t>
+            </a:r>
+          </a:p>
+          <a:p>
+            <a:pPr lvl="1"/>
+            <a:r>
+              <a:rPr lang="en-US" dirty="0" smtClean="0"/>
+              <a:t>Second level</a:t>
+            </a:r>
+          </a:p>
+          <a:p>
+            <a:pPr lvl="2"/>
+            <a:r>
+              <a:rPr lang="en-US" dirty="0" smtClean="0"/>
+              <a:t>Third level</a:t>
+            </a:r>
+          </a:p>
+          <a:p>
+            <a:pPr lvl="3"/>
+            <a:r>
+              <a:rPr lang="en-US" dirty="0" smtClean="0"/>
+              <a:t>Fourth level</a:t>
+            </a:r>
+          </a:p>
+          <a:p>
+            <a:pPr lvl="4"/>
+            <a:r>
+              <a:rPr lang="en-US" dirty="0" smtClean="0"/>
+              <a:t>Fifth level</a:t>
+            </a:r>
+            <a:endParaRPr lang="en-US" dirty="0"/>
+          </a:p>
+        </p:txBody>
+      </p:sp>
+      <p:sp>
+        <p:nvSpPr>
+          <p:cNvPr id="2" name="Slide Number Placeholder 1"/>
+          <p:cNvSpPr>
+            <a:spLocks noGrp="1"/>
+          </p:cNvSpPr>
+          <p:nvPr>
+            <p:ph type="sldNum" sz="quarter" idx="12"/>
+          </p:nvPr>
+        </p:nvSpPr>
+        <p:spPr>
+          <a:xfrm>
+            <a:off x="8848345" y="4914889"/>
+            <a:ext cx="128240" cy="123111"/>
+          </a:xfrm>
+          <a:prstGeom prst="rect">
+            <a:avLst/>
+          </a:prstGeom>
+        </p:spPr>
+        <p:txBody>
+          <a:bodyPr/>
+          <a:lstStyle>
+            <a:lvl1pPr>
+              <a:defRPr sz="900"/>
+            </a:lvl1pPr>
+          </a:lstStyle>
+          <a:p>
+            <a:pPr eaLnBrk="0" fontAlgn="base" hangingPunct="0">
+              <a:spcBef>
+                <a:spcPct val="50000"/>
+              </a:spcBef>
+              <a:spcAft>
+                <a:spcPct val="0"/>
+              </a:spcAft>
+            </a:pPr>
+            <a:fld id="{FD44707B-D922-47D5-BD24-D96E91B70543}" type="slidenum">
+              <a:rPr lang="en-US" kern="1200" smtClean="0">
+                <a:solidFill>
+                  <a:prstClr val="white"/>
+                </a:solidFill>
+                <a:latin typeface="Intel Clear"/>
+                <a:ea typeface="+mn-ea"/>
+                <a:cs typeface="+mn-cs"/>
+              </a:rPr>
+              <a:pPr eaLnBrk="0" fontAlgn="base" hangingPunct="0">
+                <a:spcBef>
+                  <a:spcPct val="50000"/>
+                </a:spcBef>
+                <a:spcAft>
+                  <a:spcPct val="0"/>
+                </a:spcAft>
+              </a:pPr>
+              <a:t>‹#›</a:t>
+            </a:fld>
+            <a:endParaRPr lang="en-US" kern="1200" dirty="0">
+              <a:solidFill>
+                <a:prstClr val="white"/>
+              </a:solidFill>
+              <a:latin typeface="Intel Clear"/>
+              <a:ea typeface="+mn-ea"/>
+              <a:cs typeface="+mn-cs"/>
+            </a:endParaRPr>
+          </a:p>
+        </p:txBody>
+      </p:sp>
+      <p:sp>
+        <p:nvSpPr>
+          <p:cNvPr id="10" name="Text Placeholder 9"/>
+          <p:cNvSpPr>
+            <a:spLocks noGrp="1"/>
+          </p:cNvSpPr>
+          <p:nvPr>
+            <p:ph type="body" sz="quarter" idx="13" hasCustomPrompt="1"/>
+          </p:nvPr>
+        </p:nvSpPr>
+        <p:spPr>
+          <a:xfrm>
+            <a:off x="291704" y="1410892"/>
+            <a:ext cx="8498681" cy="821531"/>
+          </a:xfrm>
+        </p:spPr>
+        <p:txBody>
+          <a:bodyPr/>
+          <a:lstStyle>
+            <a:lvl1pPr>
+              <a:defRPr sz="3000" baseline="0">
+                <a:solidFill>
+                  <a:srgbClr val="F3D54E"/>
+                </a:solidFill>
+              </a:defRPr>
+            </a:lvl1pPr>
+          </a:lstStyle>
+          <a:p>
+            <a:pPr lvl="0"/>
+            <a:r>
+              <a:rPr lang="en-US" dirty="0" smtClean="0"/>
+              <a:t>Insert Poll Question here…</a:t>
+            </a:r>
+            <a:endParaRPr lang="en-US" dirty="0"/>
+          </a:p>
+        </p:txBody>
+      </p:sp>
+    </p:spTree>
+    <p:extLst>
+      <p:ext uri="{BB962C8B-B14F-4D97-AF65-F5344CB8AC3E}">
+        <p14:creationId xmlns:p14="http://schemas.microsoft.com/office/powerpoint/2010/main" val="1030172342"/>
+      </p:ext>
+    </p:extLst>
+  </p:cSld>
+  <p:clrMapOvr>
+    <a:overrideClrMapping bg1="dk1" tx1="lt1" bg2="dk2" tx2="lt2" accent1="accent1" accent2="accent2" accent3="accent3" accent4="accent4" accent5="accent5" accent6="accent6" hlink="hlink" folHlink="folHlink"/>
+  </p:clrMapOvr>
+  <mc:AlternateContent xmlns:mc="http://schemas.openxmlformats.org/markup-compatibility/2006" xmlns:p14="http://schemas.microsoft.com/office/powerpoint/2010/main">
+    <mc:Choice Requires="p14">
+      <p:transition spd="med" p14:dur="700">
+        <p:fade/>
+      </p:transition>
+    </mc:Choice>
+    <mc:Fallback xmlns="">
+      <p:transition spd="med">
+        <p:fade/>
+      </p:transition>
+    </mc:Fallback>
+  </mc:AlternateContent>
+  <p:timing>
+    <p:tnLst>
+      <p:par>
+        <p:cTn id="1" dur="indefinite" restart="never" nodeType="tmRoot"/>
+      </p:par>
+    </p:tnLst>
+  </p:timing>
+</p:sldLayout>
+</file>
+
+<file path=ppt/slideLayouts/slideLayout21.xml><?xml version="1.0" encoding="utf-8"?>
+<p:sldLayout xmlns:a="http://schemas.openxmlformats.org/drawingml/2006/main" xmlns:r="http://schemas.openxmlformats.org/officeDocument/2006/relationships" xmlns:p="http://schemas.openxmlformats.org/presentationml/2006/main" preserve="1" userDrawn="1">
   <p:cSld name="Photo Section Header - dark gradient">
     <p:bg>
       <p:bgPr>
@@ -9893,7 +10381,7 @@
 </p:sldLayout>
 </file>
 
-<file path=ppt/slideLayouts/slideLayout21.xml><?xml version="1.0" encoding="utf-8"?>
+<file path=ppt/slideLayouts/slideLayout22.xml><?xml version="1.0" encoding="utf-8"?>
 <p:sldLayout xmlns:a="http://schemas.openxmlformats.org/drawingml/2006/main" xmlns:r="http://schemas.openxmlformats.org/officeDocument/2006/relationships" xmlns:p="http://schemas.openxmlformats.org/presentationml/2006/main" showMasterSp="0" preserve="1" userDrawn="1">
   <p:cSld name="Final Slide">
     <p:spTree>
@@ -11915,7 +12403,7 @@
 </p:sldLayout>
 </file>
 
-<file path=ppt/slideLayouts/slideLayout22.xml><?xml version="1.0" encoding="utf-8"?>
+<file path=ppt/slideLayouts/slideLayout23.xml><?xml version="1.0" encoding="utf-8"?>
 <p:sldLayout xmlns:a="http://schemas.openxmlformats.org/drawingml/2006/main" xmlns:r="http://schemas.openxmlformats.org/officeDocument/2006/relationships" xmlns:p="http://schemas.openxmlformats.org/presentationml/2006/main" userDrawn="1">
   <p:cSld name="Title and Text Content - dark gradient">
     <p:bg>
@@ -18599,6 +19087,7 @@
     <p:sldLayoutId id="2147483675" r:id="rId4"/>
     <p:sldLayoutId id="2147483676" r:id="rId5"/>
     <p:sldLayoutId id="2147483677" r:id="rId6"/>
+    <p:sldLayoutId id="2147483685" r:id="rId7"/>
   </p:sldLayoutIdLst>
   <mc:AlternateContent xmlns:mc="http://schemas.openxmlformats.org/markup-compatibility/2006" xmlns:p14="http://schemas.microsoft.com/office/powerpoint/2010/main">
     <mc:Choice Requires="p14">
@@ -27215,31 +27704,20 @@
           <a:lstStyle/>
           <a:p>
             <a:r>
-              <a:rPr lang="en-US" dirty="0" smtClean="0">
-                <a:solidFill>
-                  <a:schemeClr val="accent3">
-                    <a:alpha val="90000"/>
-                  </a:schemeClr>
-                </a:solidFill>
-              </a:rPr>
-              <a:t>LEGAL</a:t>
+              <a:rPr lang="en-US" dirty="0"/>
+              <a:t>Legal Notices and Disclaimers</a:t>
             </a:r>
-            <a:r>
-              <a:rPr lang="en-US" dirty="0" smtClean="0"/>
-              <a:t> NOTICE</a:t>
-            </a:r>
-            <a:endParaRPr lang="en-US" dirty="0"/>
           </a:p>
         </p:txBody>
       </p:sp>
       <p:sp>
         <p:nvSpPr>
-          <p:cNvPr id="5" name="Text Placeholder 4"/>
+          <p:cNvPr id="5" name="Content Placeholder 4"/>
           <p:cNvSpPr>
             <a:spLocks noGrp="1"/>
           </p:cNvSpPr>
           <p:nvPr>
-            <p:ph type="body" sz="quarter" idx="13"/>
+            <p:ph idx="1"/>
           </p:nvPr>
         </p:nvSpPr>
         <p:spPr/>
@@ -27247,24 +27725,206 @@
           <a:bodyPr/>
           <a:lstStyle/>
           <a:p>
-            <a:endParaRPr lang="en-US"/>
+            <a:r>
+              <a:rPr lang="en-US" sz="900" dirty="0"/>
+              <a:t>Intel technologies’ features and benefits depend on system configuration and may require enabled hardware, software or service activation. Performance varies depending on system configuration. No computer system can be absolutely secure. Check with your system manufacturer or retailer or learn more at </a:t>
+            </a:r>
+            <a:r>
+              <a:rPr lang="en-US" sz="900" dirty="0">
+                <a:hlinkClick r:id="rId3"/>
+              </a:rPr>
+              <a:t>www.intel.com</a:t>
+            </a:r>
+            <a:r>
+              <a:rPr lang="en-US" sz="900" dirty="0"/>
+              <a:t>.</a:t>
+            </a:r>
+          </a:p>
+          <a:p>
+            <a:r>
+              <a:rPr lang="en-US" sz="900"/>
+              <a:t>This </a:t>
+            </a:r>
+            <a:r>
+              <a:rPr lang="en-US" sz="900" dirty="0"/>
+              <a:t>document contains information on products, services and/or processes in development. All information provided here is subject to change without notice. Contact your Intel representative to obtain the latest forecast, schedule, specifications and roadmaps.</a:t>
+            </a:r>
+          </a:p>
+          <a:p>
+            <a:pPr lvl="0"/>
+            <a:r>
+              <a:rPr lang="en-US" sz="900" dirty="0"/>
+              <a:t>Any forecasts of goods and services needed for Intel’s operations are provided for discussion purposes only. Intel will have no liability to make any purchase in connection with forecasts published in this document.</a:t>
+            </a:r>
+          </a:p>
+          <a:p>
+            <a:pPr lvl="0"/>
+            <a:r>
+              <a:rPr lang="en-US" sz="900" dirty="0"/>
+              <a:t>ARDUINO 101 and the ARDUINO infinity logo are trademarks or registered trademarks of Arduino, LLC.</a:t>
+            </a:r>
+          </a:p>
+          <a:p>
+            <a:r>
+              <a:rPr lang="en-US" sz="900" dirty="0"/>
+              <a:t>Intel, the Intel logo, Intel Inside, the Intel Inside logo, OpenVINO, Intel Atom, Celeron, Intel Core, and Intel </a:t>
+            </a:r>
+            <a:r>
+              <a:rPr lang="en-US" sz="900" dirty="0" err="1"/>
+              <a:t>Movidius</a:t>
+            </a:r>
+            <a:r>
+              <a:rPr lang="en-US" sz="900" dirty="0"/>
+              <a:t> Myriad 2 are trademarks of Intel Corporation or its subsidiaries in the U.S. and/or other countries. </a:t>
+            </a:r>
+          </a:p>
+          <a:p>
+            <a:r>
+              <a:rPr lang="en-US" sz="900" dirty="0"/>
+              <a:t>*Other names and brands may be claimed as the property of others. </a:t>
+            </a:r>
+          </a:p>
+          <a:p>
+            <a:endParaRPr lang="en-US" sz="900" dirty="0"/>
+          </a:p>
+          <a:p>
+            <a:r>
+              <a:rPr lang="en-US" sz="900" dirty="0"/>
+              <a:t>Copyright 2018 Intel Corporation. </a:t>
+            </a:r>
           </a:p>
         </p:txBody>
       </p:sp>
       <p:sp>
         <p:nvSpPr>
-          <p:cNvPr id="2" name="Slide Number Placeholder 1"/>
-          <p:cNvSpPr>
-            <a:spLocks noGrp="1"/>
+          <p:cNvPr id="6" name="Slide Number Placeholder 4">
+            <a:extLst>
+              <a:ext uri="{FF2B5EF4-FFF2-40B4-BE49-F238E27FC236}">
+                <a16:creationId xmlns:a16="http://schemas.microsoft.com/office/drawing/2014/main" xmlns="" id="{A2CC5965-A810-4428-AF69-DDA19DFEF8BC}"/>
+              </a:ext>
+            </a:extLst>
+          </p:cNvPr>
+          <p:cNvSpPr txBox="1">
+            <a:spLocks/>
           </p:cNvSpPr>
-          <p:nvPr>
-            <p:ph type="sldNum" sz="quarter" idx="14"/>
-          </p:nvPr>
+          <p:nvPr/>
         </p:nvSpPr>
-        <p:spPr/>
+        <p:spPr>
+          <a:xfrm>
+            <a:off x="8848344" y="4918736"/>
+            <a:ext cx="118622" cy="115416"/>
+          </a:xfrm>
+          <a:prstGeom prst="rect">
+            <a:avLst/>
+          </a:prstGeom>
+          <a:noFill/>
+          <a:ln w="50800" algn="ctr">
+            <a:noFill/>
+            <a:miter lim="800000"/>
+            <a:headEnd type="none" w="sm" len="sm"/>
+            <a:tailEnd type="none" w="sm" len="sm"/>
+          </a:ln>
+          <a:effectLst/>
+        </p:spPr>
         <p:txBody>
-          <a:bodyPr/>
-          <a:lstStyle/>
+          <a:bodyPr wrap="none" lIns="0" tIns="0" rIns="0" bIns="0" anchor="ctr" anchorCtr="0">
+            <a:spAutoFit/>
+          </a:bodyPr>
+          <a:lstStyle>
+            <a:defPPr>
+              <a:defRPr lang="en-US"/>
+            </a:defPPr>
+            <a:lvl1pPr marL="0" algn="l" defTabSz="914400" rtl="0" eaLnBrk="1" latinLnBrk="0" hangingPunct="1">
+              <a:defRPr lang="en-US" sz="1067" kern="1200" smtClean="0">
+                <a:solidFill>
+                  <a:srgbClr val="FFFFFF"/>
+                </a:solidFill>
+                <a:latin typeface="+mn-lt"/>
+                <a:ea typeface="+mn-ea"/>
+                <a:cs typeface="Arial" panose="020B0604020202020204" pitchFamily="34" charset="0"/>
+              </a:defRPr>
+            </a:lvl1pPr>
+            <a:lvl2pPr marL="457200" algn="l" defTabSz="914400" rtl="0" eaLnBrk="1" latinLnBrk="0" hangingPunct="1">
+              <a:defRPr sz="1800" kern="1200">
+                <a:solidFill>
+                  <a:schemeClr val="tx1"/>
+                </a:solidFill>
+                <a:latin typeface="+mn-lt"/>
+                <a:ea typeface="+mn-ea"/>
+                <a:cs typeface="+mn-cs"/>
+              </a:defRPr>
+            </a:lvl2pPr>
+            <a:lvl3pPr marL="914400" algn="l" defTabSz="914400" rtl="0" eaLnBrk="1" latinLnBrk="0" hangingPunct="1">
+              <a:defRPr sz="1800" kern="1200">
+                <a:solidFill>
+                  <a:schemeClr val="tx1"/>
+                </a:solidFill>
+                <a:latin typeface="+mn-lt"/>
+                <a:ea typeface="+mn-ea"/>
+                <a:cs typeface="+mn-cs"/>
+              </a:defRPr>
+            </a:lvl3pPr>
+            <a:lvl4pPr marL="1371600" algn="l" defTabSz="914400" rtl="0" eaLnBrk="1" latinLnBrk="0" hangingPunct="1">
+              <a:defRPr sz="1800" kern="1200">
+                <a:solidFill>
+                  <a:schemeClr val="tx1"/>
+                </a:solidFill>
+                <a:latin typeface="+mn-lt"/>
+                <a:ea typeface="+mn-ea"/>
+                <a:cs typeface="+mn-cs"/>
+              </a:defRPr>
+            </a:lvl4pPr>
+            <a:lvl5pPr marL="1828800" algn="l" defTabSz="914400" rtl="0" eaLnBrk="1" latinLnBrk="0" hangingPunct="1">
+              <a:defRPr sz="1800" kern="1200">
+                <a:solidFill>
+                  <a:schemeClr val="tx1"/>
+                </a:solidFill>
+                <a:latin typeface="+mn-lt"/>
+                <a:ea typeface="+mn-ea"/>
+                <a:cs typeface="+mn-cs"/>
+              </a:defRPr>
+            </a:lvl5pPr>
+            <a:lvl6pPr marL="2286000" algn="l" defTabSz="914400" rtl="0" eaLnBrk="1" latinLnBrk="0" hangingPunct="1">
+              <a:defRPr sz="1800" kern="1200">
+                <a:solidFill>
+                  <a:schemeClr val="tx1"/>
+                </a:solidFill>
+                <a:latin typeface="+mn-lt"/>
+                <a:ea typeface="+mn-ea"/>
+                <a:cs typeface="+mn-cs"/>
+              </a:defRPr>
+            </a:lvl6pPr>
+            <a:lvl7pPr marL="2743200" algn="l" defTabSz="914400" rtl="0" eaLnBrk="1" latinLnBrk="0" hangingPunct="1">
+              <a:defRPr sz="1800" kern="1200">
+                <a:solidFill>
+                  <a:schemeClr val="tx1"/>
+                </a:solidFill>
+                <a:latin typeface="+mn-lt"/>
+                <a:ea typeface="+mn-ea"/>
+                <a:cs typeface="+mn-cs"/>
+              </a:defRPr>
+            </a:lvl7pPr>
+            <a:lvl8pPr marL="3200400" algn="l" defTabSz="914400" rtl="0" eaLnBrk="1" latinLnBrk="0" hangingPunct="1">
+              <a:defRPr sz="1800" kern="1200">
+                <a:solidFill>
+                  <a:schemeClr val="tx1"/>
+                </a:solidFill>
+                <a:latin typeface="+mn-lt"/>
+                <a:ea typeface="+mn-ea"/>
+                <a:cs typeface="+mn-cs"/>
+              </a:defRPr>
+            </a:lvl8pPr>
+            <a:lvl9pPr marL="3657600" algn="l" defTabSz="914400" rtl="0" eaLnBrk="1" latinLnBrk="0" hangingPunct="1">
+              <a:defRPr sz="1800" kern="1200">
+                <a:solidFill>
+                  <a:schemeClr val="tx1"/>
+                </a:solidFill>
+                <a:latin typeface="+mn-lt"/>
+                <a:ea typeface="+mn-ea"/>
+                <a:cs typeface="+mn-cs"/>
+              </a:defRPr>
+            </a:lvl9pPr>
+          </a:lstStyle>
           <a:p>
             <a:pPr eaLnBrk="0" fontAlgn="base" hangingPunct="0">
               <a:spcBef>
@@ -27275,11 +27935,7 @@
               </a:spcAft>
             </a:pPr>
             <a:fld id="{FD44707B-D922-47D5-BD24-D96E91B70543}" type="slidenum">
-              <a:rPr lang="en-US" smtClean="0">
-                <a:solidFill>
-                  <a:prstClr val="white"/>
-                </a:solidFill>
-              </a:rPr>
+              <a:rPr lang="en-US" sz="750"/>
               <a:pPr eaLnBrk="0" fontAlgn="base" hangingPunct="0">
                 <a:spcBef>
                   <a:spcPct val="50000"/>
@@ -27290,300 +27946,14 @@
               </a:pPr>
               <a:t>2</a:t>
             </a:fld>
-            <a:endParaRPr lang="en-US" dirty="0">
-              <a:solidFill>
-                <a:prstClr val="white"/>
-              </a:solidFill>
-            </a:endParaRPr>
-          </a:p>
-        </p:txBody>
-      </p:sp>
-      <p:sp>
-        <p:nvSpPr>
-          <p:cNvPr id="3" name="Rectangle 2"/>
-          <p:cNvSpPr/>
-          <p:nvPr/>
-        </p:nvSpPr>
-        <p:spPr>
-          <a:xfrm>
-            <a:off x="353963" y="864356"/>
-            <a:ext cx="8494382" cy="3162404"/>
-          </a:xfrm>
-          <a:prstGeom prst="rect">
-            <a:avLst/>
-          </a:prstGeom>
-        </p:spPr>
-        <p:txBody>
-          <a:bodyPr wrap="square">
-            <a:spAutoFit/>
-          </a:bodyPr>
-          <a:lstStyle/>
-          <a:p>
-            <a:r>
-              <a:rPr lang="en-US" sz="1050" kern="1200" dirty="0">
-                <a:solidFill>
-                  <a:prstClr val="white"/>
-                </a:solidFill>
-                <a:latin typeface="Intel Clear"/>
-                <a:ea typeface="+mn-ea"/>
-                <a:cs typeface="+mn-cs"/>
-              </a:rPr>
-              <a:t>Intel technologies’ features and benefits depend on system configuration and may require enabled hardware, software or service activation. Performance varies depending on system configuration. No computer system can be absolutely secure. Check with your system manufacturer or retailer or learn more at </a:t>
-            </a:r>
-            <a:r>
-              <a:rPr lang="en-US" sz="1050" kern="1200" dirty="0">
-                <a:solidFill>
-                  <a:prstClr val="white"/>
-                </a:solidFill>
-                <a:latin typeface="Intel Clear"/>
-                <a:ea typeface="+mn-ea"/>
-                <a:cs typeface="+mn-cs"/>
-                <a:hlinkClick r:id="rId2"/>
-              </a:rPr>
-              <a:t>www.intel.com</a:t>
-            </a:r>
-            <a:r>
-              <a:rPr lang="en-US" sz="1050" kern="1200" dirty="0">
-                <a:solidFill>
-                  <a:prstClr val="white"/>
-                </a:solidFill>
-                <a:latin typeface="Intel Clear"/>
-                <a:ea typeface="+mn-ea"/>
-                <a:cs typeface="+mn-cs"/>
-              </a:rPr>
-              <a:t>.</a:t>
-            </a:r>
-          </a:p>
-          <a:p>
-            <a:r>
-              <a:rPr lang="en-US" sz="1050" kern="1200" dirty="0">
-                <a:solidFill>
-                  <a:prstClr val="white"/>
-                </a:solidFill>
-                <a:latin typeface="Intel Clear"/>
-                <a:ea typeface="+mn-ea"/>
-                <a:cs typeface="+mn-cs"/>
-              </a:rPr>
-              <a:t>Performance estimates were obtained prior to implementation of recent software patches and firmware updates intended to address exploits referred to as "</a:t>
-            </a:r>
-            <a:r>
-              <a:rPr lang="en-US" sz="1050" kern="1200" dirty="0" err="1">
-                <a:solidFill>
-                  <a:prstClr val="white"/>
-                </a:solidFill>
-                <a:latin typeface="Intel Clear"/>
-                <a:ea typeface="+mn-ea"/>
-                <a:cs typeface="+mn-cs"/>
-              </a:rPr>
-              <a:t>Spectre</a:t>
-            </a:r>
-            <a:r>
-              <a:rPr lang="en-US" sz="1050" kern="1200" dirty="0">
-                <a:solidFill>
-                  <a:prstClr val="white"/>
-                </a:solidFill>
-                <a:latin typeface="Intel Clear"/>
-                <a:ea typeface="+mn-ea"/>
-                <a:cs typeface="+mn-cs"/>
-              </a:rPr>
-              <a:t>" and "Meltdown."  Implementation of these updates may make these results inapplicable to your device or system.</a:t>
-            </a:r>
-          </a:p>
-          <a:p>
-            <a:r>
-              <a:rPr lang="en-US" sz="1050" kern="1200" dirty="0">
-                <a:solidFill>
-                  <a:prstClr val="white"/>
-                </a:solidFill>
-                <a:latin typeface="Intel Clear"/>
-                <a:ea typeface="+mn-ea"/>
-                <a:cs typeface="+mn-cs"/>
-              </a:rPr>
-              <a:t>Cost reduction scenarios described are intended as examples of how a given Intel-based product, in the specified circumstances and configurations, may affect future costs and provide cost savings. Circumstances will vary. Intel does not guarantee any costs or cost reduction.</a:t>
-            </a:r>
-          </a:p>
-          <a:p>
-            <a:r>
-              <a:rPr lang="en-US" sz="1050" kern="1200" dirty="0">
-                <a:solidFill>
-                  <a:prstClr val="white"/>
-                </a:solidFill>
-                <a:latin typeface="Intel Clear"/>
-                <a:ea typeface="+mn-ea"/>
-                <a:cs typeface="+mn-cs"/>
-              </a:rPr>
-              <a:t>This document contains information on products, services and/or processes in development. All information provided here is subject to change without notice. Contact your Intel representative to obtain the latest forecast, schedule, specifications and roadmaps.</a:t>
-            </a:r>
-          </a:p>
-          <a:p>
-            <a:r>
-              <a:rPr lang="en-US" sz="1050" kern="1200" dirty="0">
-                <a:solidFill>
-                  <a:prstClr val="white"/>
-                </a:solidFill>
-                <a:latin typeface="Intel Clear"/>
-                <a:ea typeface="+mn-ea"/>
-                <a:cs typeface="+mn-cs"/>
-              </a:rPr>
-              <a:t>Any forecasts of goods and services needed for Intel’s operations are provided for discussion purposes only. Intel will have no liability to make any purchase in connection with forecasts published in this document.</a:t>
-            </a:r>
-          </a:p>
-          <a:p>
-            <a:r>
-              <a:rPr lang="en-US" sz="1050" kern="1200" dirty="0">
-                <a:solidFill>
-                  <a:prstClr val="white"/>
-                </a:solidFill>
-                <a:latin typeface="Intel Clear"/>
-                <a:ea typeface="+mn-ea"/>
-                <a:cs typeface="+mn-cs"/>
-              </a:rPr>
-              <a:t>ARDUINO 101 and the ARDUINO infinity logo are trademarks or registered trademarks of Arduino, LLC.</a:t>
-            </a:r>
-          </a:p>
-          <a:p>
-            <a:r>
-              <a:rPr lang="en-US" sz="1050" kern="1200" dirty="0">
-                <a:solidFill>
-                  <a:prstClr val="white"/>
-                </a:solidFill>
-                <a:latin typeface="Intel Clear"/>
-                <a:ea typeface="+mn-ea"/>
-                <a:cs typeface="+mn-cs"/>
-              </a:rPr>
-              <a:t>Altera, </a:t>
-            </a:r>
-            <a:r>
-              <a:rPr lang="en-US" sz="1050" kern="1200" dirty="0" err="1">
-                <a:solidFill>
-                  <a:prstClr val="white"/>
-                </a:solidFill>
-                <a:latin typeface="Intel Clear"/>
-                <a:ea typeface="+mn-ea"/>
-                <a:cs typeface="+mn-cs"/>
-              </a:rPr>
-              <a:t>Arria</a:t>
-            </a:r>
-            <a:r>
-              <a:rPr lang="en-US" sz="1050" kern="1200" dirty="0">
-                <a:solidFill>
-                  <a:prstClr val="white"/>
-                </a:solidFill>
-                <a:latin typeface="Intel Clear"/>
-                <a:ea typeface="+mn-ea"/>
-                <a:cs typeface="+mn-cs"/>
-              </a:rPr>
-              <a:t>, the </a:t>
-            </a:r>
-            <a:r>
-              <a:rPr lang="en-US" sz="1050" kern="1200" dirty="0" err="1">
-                <a:solidFill>
-                  <a:prstClr val="white"/>
-                </a:solidFill>
-                <a:latin typeface="Intel Clear"/>
-                <a:ea typeface="+mn-ea"/>
-                <a:cs typeface="+mn-cs"/>
-              </a:rPr>
-              <a:t>Arria</a:t>
-            </a:r>
-            <a:r>
-              <a:rPr lang="en-US" sz="1050" kern="1200" dirty="0">
-                <a:solidFill>
-                  <a:prstClr val="white"/>
-                </a:solidFill>
-                <a:latin typeface="Intel Clear"/>
-                <a:ea typeface="+mn-ea"/>
-                <a:cs typeface="+mn-cs"/>
-              </a:rPr>
-              <a:t> logo, Intel, the Intel logo, Intel Atom, Intel Core, Intel </a:t>
-            </a:r>
-            <a:r>
-              <a:rPr lang="en-US" sz="1050" kern="1200" dirty="0" err="1">
-                <a:solidFill>
-                  <a:prstClr val="white"/>
-                </a:solidFill>
-                <a:latin typeface="Intel Clear"/>
-                <a:ea typeface="+mn-ea"/>
-                <a:cs typeface="+mn-cs"/>
-              </a:rPr>
-              <a:t>Nervana</a:t>
-            </a:r>
-            <a:r>
-              <a:rPr lang="en-US" sz="1050" kern="1200" dirty="0">
-                <a:solidFill>
-                  <a:prstClr val="white"/>
-                </a:solidFill>
-                <a:latin typeface="Intel Clear"/>
-                <a:ea typeface="+mn-ea"/>
-                <a:cs typeface="+mn-cs"/>
-              </a:rPr>
-              <a:t>, Intel Xeon Phi, </a:t>
-            </a:r>
-            <a:r>
-              <a:rPr lang="en-US" sz="1050" kern="1200" dirty="0" err="1">
-                <a:solidFill>
-                  <a:prstClr val="white"/>
-                </a:solidFill>
-                <a:latin typeface="Intel Clear"/>
-                <a:ea typeface="+mn-ea"/>
-                <a:cs typeface="+mn-cs"/>
-              </a:rPr>
-              <a:t>Movidius</a:t>
-            </a:r>
-            <a:r>
-              <a:rPr lang="en-US" sz="1050" kern="1200" dirty="0">
-                <a:solidFill>
-                  <a:prstClr val="white"/>
-                </a:solidFill>
-                <a:latin typeface="Intel Clear"/>
-                <a:ea typeface="+mn-ea"/>
-                <a:cs typeface="+mn-cs"/>
-              </a:rPr>
-              <a:t>, Saffron and Xeon are trademarks of Intel Corporation or its subsidiaries in the U.S. and/or other countries. </a:t>
-            </a:r>
-          </a:p>
-          <a:p>
-            <a:r>
-              <a:rPr lang="en-US" sz="1050" kern="1200" dirty="0">
-                <a:solidFill>
-                  <a:prstClr val="white"/>
-                </a:solidFill>
-                <a:latin typeface="Intel Clear"/>
-                <a:ea typeface="+mn-ea"/>
-                <a:cs typeface="+mn-cs"/>
-              </a:rPr>
-              <a:t>*Other names and brands may be claimed as the property of others. </a:t>
-            </a:r>
-          </a:p>
-          <a:p>
-            <a:endParaRPr lang="en-US" sz="1050" kern="1200" dirty="0">
-              <a:solidFill>
-                <a:prstClr val="white"/>
-              </a:solidFill>
-              <a:latin typeface="Intel Clear"/>
-              <a:ea typeface="+mn-ea"/>
-              <a:cs typeface="+mn-cs"/>
-            </a:endParaRPr>
-          </a:p>
-          <a:p>
-            <a:r>
-              <a:rPr lang="en-US" sz="1050" kern="1200" dirty="0">
-                <a:solidFill>
-                  <a:prstClr val="white"/>
-                </a:solidFill>
-                <a:latin typeface="Intel Clear"/>
-                <a:ea typeface="+mn-ea"/>
-                <a:cs typeface="+mn-cs"/>
-              </a:rPr>
-              <a:t>Copyright 2018 Intel Corporation. </a:t>
-            </a:r>
+            <a:endParaRPr lang="en-US" sz="750" dirty="0"/>
           </a:p>
         </p:txBody>
       </p:sp>
     </p:spTree>
     <p:extLst>
       <p:ext uri="{BB962C8B-B14F-4D97-AF65-F5344CB8AC3E}">
-        <p14:creationId xmlns:p14="http://schemas.microsoft.com/office/powerpoint/2010/main" val="2565580208"/>
+        <p14:creationId xmlns:p14="http://schemas.microsoft.com/office/powerpoint/2010/main" val="1020415112"/>
       </p:ext>
     </p:extLst>
   </p:cSld>
@@ -27602,13 +27972,6 @@
       </p:transition>
     </mc:Fallback>
   </mc:AlternateContent>
-  <p:timing>
-    <p:tnLst>
-      <p:par>
-        <p:cTn id="1" dur="indefinite" restart="never" nodeType="tmRoot"/>
-      </p:par>
-    </p:tnLst>
-  </p:timing>
 </p:sld>
 </file>
 
